--- a/Etourism.pptx
+++ b/Etourism.pptx
@@ -10,23 +10,23 @@
   <p:sldIdLst>
     <p:sldId id="256" r:id="rId2"/>
     <p:sldId id="258" r:id="rId3"/>
-    <p:sldId id="259" r:id="rId4"/>
+    <p:sldId id="282" r:id="rId4"/>
     <p:sldId id="260" r:id="rId5"/>
     <p:sldId id="261" r:id="rId6"/>
-    <p:sldId id="262" r:id="rId7"/>
-    <p:sldId id="263" r:id="rId8"/>
-    <p:sldId id="264" r:id="rId9"/>
-    <p:sldId id="265" r:id="rId10"/>
-    <p:sldId id="267" r:id="rId11"/>
-    <p:sldId id="268" r:id="rId12"/>
-    <p:sldId id="269" r:id="rId13"/>
-    <p:sldId id="271" r:id="rId14"/>
-    <p:sldId id="272" r:id="rId15"/>
-    <p:sldId id="277" r:id="rId16"/>
-    <p:sldId id="274" r:id="rId17"/>
-    <p:sldId id="275" r:id="rId18"/>
-    <p:sldId id="276" r:id="rId19"/>
-    <p:sldId id="278" r:id="rId20"/>
+    <p:sldId id="263" r:id="rId7"/>
+    <p:sldId id="264" r:id="rId8"/>
+    <p:sldId id="265" r:id="rId9"/>
+    <p:sldId id="267" r:id="rId10"/>
+    <p:sldId id="268" r:id="rId11"/>
+    <p:sldId id="269" r:id="rId12"/>
+    <p:sldId id="271" r:id="rId13"/>
+    <p:sldId id="272" r:id="rId14"/>
+    <p:sldId id="277" r:id="rId15"/>
+    <p:sldId id="274" r:id="rId16"/>
+    <p:sldId id="275" r:id="rId17"/>
+    <p:sldId id="276" r:id="rId18"/>
+    <p:sldId id="278" r:id="rId19"/>
+    <p:sldId id="281" r:id="rId20"/>
     <p:sldId id="279" r:id="rId21"/>
     <p:sldId id="280" r:id="rId22"/>
   </p:sldIdLst>
@@ -658,7 +658,7 @@
           <a:p>
             <a:fld id="{745664E3-6896-42CC-AA33-8523AD8F7A92}" type="slidenum">
               <a:rPr lang="de-DE" smtClean="0"/>
-              <a:t>3</a:t>
+              <a:t>4</a:t>
             </a:fld>
             <a:endParaRPr lang="de-DE"/>
           </a:p>
@@ -667,7 +667,7 @@
     </p:spTree>
     <p:extLst>
       <p:ext uri="{BB962C8B-B14F-4D97-AF65-F5344CB8AC3E}">
-        <p14:creationId xmlns:p14="http://schemas.microsoft.com/office/powerpoint/2010/main" val="2542882406"/>
+        <p14:creationId xmlns:p14="http://schemas.microsoft.com/office/powerpoint/2010/main" val="1786354630"/>
       </p:ext>
     </p:extLst>
   </p:cSld>
@@ -742,7 +742,7 @@
           <a:p>
             <a:fld id="{745664E3-6896-42CC-AA33-8523AD8F7A92}" type="slidenum">
               <a:rPr lang="de-DE" smtClean="0"/>
-              <a:t>4</a:t>
+              <a:t>5</a:t>
             </a:fld>
             <a:endParaRPr lang="de-DE"/>
           </a:p>
@@ -751,7 +751,7 @@
     </p:spTree>
     <p:extLst>
       <p:ext uri="{BB962C8B-B14F-4D97-AF65-F5344CB8AC3E}">
-        <p14:creationId xmlns:p14="http://schemas.microsoft.com/office/powerpoint/2010/main" val="1786354630"/>
+        <p14:creationId xmlns:p14="http://schemas.microsoft.com/office/powerpoint/2010/main" val="207463121"/>
       </p:ext>
     </p:extLst>
   </p:cSld>
@@ -826,7 +826,7 @@
           <a:p>
             <a:fld id="{745664E3-6896-42CC-AA33-8523AD8F7A92}" type="slidenum">
               <a:rPr lang="de-DE" smtClean="0"/>
-              <a:t>5</a:t>
+              <a:t>6</a:t>
             </a:fld>
             <a:endParaRPr lang="de-DE"/>
           </a:p>
@@ -835,7 +835,7 @@
     </p:spTree>
     <p:extLst>
       <p:ext uri="{BB962C8B-B14F-4D97-AF65-F5344CB8AC3E}">
-        <p14:creationId xmlns:p14="http://schemas.microsoft.com/office/powerpoint/2010/main" val="207463121"/>
+        <p14:creationId xmlns:p14="http://schemas.microsoft.com/office/powerpoint/2010/main" val="1744141998"/>
       </p:ext>
     </p:extLst>
   </p:cSld>
@@ -910,7 +910,7 @@
           <a:p>
             <a:fld id="{745664E3-6896-42CC-AA33-8523AD8F7A92}" type="slidenum">
               <a:rPr lang="de-DE" smtClean="0"/>
-              <a:t>6</a:t>
+              <a:t>7</a:t>
             </a:fld>
             <a:endParaRPr lang="de-DE"/>
           </a:p>
@@ -919,7 +919,7 @@
     </p:spTree>
     <p:extLst>
       <p:ext uri="{BB962C8B-B14F-4D97-AF65-F5344CB8AC3E}">
-        <p14:creationId xmlns:p14="http://schemas.microsoft.com/office/powerpoint/2010/main" val="437858443"/>
+        <p14:creationId xmlns:p14="http://schemas.microsoft.com/office/powerpoint/2010/main" val="1158236947"/>
       </p:ext>
     </p:extLst>
   </p:cSld>
@@ -973,91 +973,7 @@
           <a:bodyPr/>
           <a:lstStyle/>
           <a:p>
-            <a:endParaRPr lang="de-DE"/>
-          </a:p>
-        </p:txBody>
-      </p:sp>
-      <p:sp>
-        <p:nvSpPr>
-          <p:cNvPr id="4" name="Foliennummernplatzhalter 3"/>
-          <p:cNvSpPr>
-            <a:spLocks noGrp="1"/>
-          </p:cNvSpPr>
-          <p:nvPr>
-            <p:ph type="sldNum" sz="quarter" idx="5"/>
-          </p:nvPr>
-        </p:nvSpPr>
-        <p:spPr/>
-        <p:txBody>
-          <a:bodyPr/>
-          <a:lstStyle/>
-          <a:p>
-            <a:fld id="{745664E3-6896-42CC-AA33-8523AD8F7A92}" type="slidenum">
-              <a:rPr lang="de-DE" smtClean="0"/>
-              <a:t>7</a:t>
-            </a:fld>
-            <a:endParaRPr lang="de-DE"/>
-          </a:p>
-        </p:txBody>
-      </p:sp>
-    </p:spTree>
-    <p:extLst>
-      <p:ext uri="{BB962C8B-B14F-4D97-AF65-F5344CB8AC3E}">
-        <p14:creationId xmlns:p14="http://schemas.microsoft.com/office/powerpoint/2010/main" val="1744141998"/>
-      </p:ext>
-    </p:extLst>
-  </p:cSld>
-  <p:clrMapOvr>
-    <a:masterClrMapping/>
-  </p:clrMapOvr>
-</p:notes>
-</file>
-
-<file path=ppt/notesSlides/notesSlide7.xml><?xml version="1.0" encoding="utf-8"?>
-<p:notes xmlns:a="http://schemas.openxmlformats.org/drawingml/2006/main" xmlns:r="http://schemas.openxmlformats.org/officeDocument/2006/relationships" xmlns:p="http://schemas.openxmlformats.org/presentationml/2006/main">
-  <p:cSld>
-    <p:spTree>
-      <p:nvGrpSpPr>
-        <p:cNvPr id="1" name=""/>
-        <p:cNvGrpSpPr/>
-        <p:nvPr/>
-      </p:nvGrpSpPr>
-      <p:grpSpPr>
-        <a:xfrm>
-          <a:off x="0" y="0"/>
-          <a:ext cx="0" cy="0"/>
-          <a:chOff x="0" y="0"/>
-          <a:chExt cx="0" cy="0"/>
-        </a:xfrm>
-      </p:grpSpPr>
-      <p:sp>
-        <p:nvSpPr>
-          <p:cNvPr id="2" name="Folienbildplatzhalter 1"/>
-          <p:cNvSpPr>
-            <a:spLocks noGrp="1" noRot="1" noChangeAspect="1"/>
-          </p:cNvSpPr>
-          <p:nvPr>
-            <p:ph type="sldImg"/>
-          </p:nvPr>
-        </p:nvSpPr>
-        <p:spPr/>
-      </p:sp>
-      <p:sp>
-        <p:nvSpPr>
-          <p:cNvPr id="3" name="Notizenplatzhalter 2"/>
-          <p:cNvSpPr>
-            <a:spLocks noGrp="1"/>
-          </p:cNvSpPr>
-          <p:nvPr>
-            <p:ph type="body" idx="1"/>
-          </p:nvPr>
-        </p:nvSpPr>
-        <p:spPr/>
-        <p:txBody>
-          <a:bodyPr/>
-          <a:lstStyle/>
-          <a:p>
-            <a:endParaRPr lang="de-DE"/>
+            <a:endParaRPr lang="de-DE" dirty="0"/>
           </a:p>
         </p:txBody>
       </p:sp>
@@ -1079,90 +995,6 @@
             <a:fld id="{745664E3-6896-42CC-AA33-8523AD8F7A92}" type="slidenum">
               <a:rPr lang="de-DE" smtClean="0"/>
               <a:t>8</a:t>
-            </a:fld>
-            <a:endParaRPr lang="de-DE"/>
-          </a:p>
-        </p:txBody>
-      </p:sp>
-    </p:spTree>
-    <p:extLst>
-      <p:ext uri="{BB962C8B-B14F-4D97-AF65-F5344CB8AC3E}">
-        <p14:creationId xmlns:p14="http://schemas.microsoft.com/office/powerpoint/2010/main" val="1158236947"/>
-      </p:ext>
-    </p:extLst>
-  </p:cSld>
-  <p:clrMapOvr>
-    <a:masterClrMapping/>
-  </p:clrMapOvr>
-</p:notes>
-</file>
-
-<file path=ppt/notesSlides/notesSlide8.xml><?xml version="1.0" encoding="utf-8"?>
-<p:notes xmlns:a="http://schemas.openxmlformats.org/drawingml/2006/main" xmlns:r="http://schemas.openxmlformats.org/officeDocument/2006/relationships" xmlns:p="http://schemas.openxmlformats.org/presentationml/2006/main">
-  <p:cSld>
-    <p:spTree>
-      <p:nvGrpSpPr>
-        <p:cNvPr id="1" name=""/>
-        <p:cNvGrpSpPr/>
-        <p:nvPr/>
-      </p:nvGrpSpPr>
-      <p:grpSpPr>
-        <a:xfrm>
-          <a:off x="0" y="0"/>
-          <a:ext cx="0" cy="0"/>
-          <a:chOff x="0" y="0"/>
-          <a:chExt cx="0" cy="0"/>
-        </a:xfrm>
-      </p:grpSpPr>
-      <p:sp>
-        <p:nvSpPr>
-          <p:cNvPr id="2" name="Folienbildplatzhalter 1"/>
-          <p:cNvSpPr>
-            <a:spLocks noGrp="1" noRot="1" noChangeAspect="1"/>
-          </p:cNvSpPr>
-          <p:nvPr>
-            <p:ph type="sldImg"/>
-          </p:nvPr>
-        </p:nvSpPr>
-        <p:spPr/>
-      </p:sp>
-      <p:sp>
-        <p:nvSpPr>
-          <p:cNvPr id="3" name="Notizenplatzhalter 2"/>
-          <p:cNvSpPr>
-            <a:spLocks noGrp="1"/>
-          </p:cNvSpPr>
-          <p:nvPr>
-            <p:ph type="body" idx="1"/>
-          </p:nvPr>
-        </p:nvSpPr>
-        <p:spPr/>
-        <p:txBody>
-          <a:bodyPr/>
-          <a:lstStyle/>
-          <a:p>
-            <a:endParaRPr lang="de-DE" dirty="0"/>
-          </a:p>
-        </p:txBody>
-      </p:sp>
-      <p:sp>
-        <p:nvSpPr>
-          <p:cNvPr id="4" name="Foliennummernplatzhalter 3"/>
-          <p:cNvSpPr>
-            <a:spLocks noGrp="1"/>
-          </p:cNvSpPr>
-          <p:nvPr>
-            <p:ph type="sldNum" sz="quarter" idx="5"/>
-          </p:nvPr>
-        </p:nvSpPr>
-        <p:spPr/>
-        <p:txBody>
-          <a:bodyPr/>
-          <a:lstStyle/>
-          <a:p>
-            <a:fld id="{745664E3-6896-42CC-AA33-8523AD8F7A92}" type="slidenum">
-              <a:rPr lang="de-DE" smtClean="0"/>
-              <a:t>9</a:t>
             </a:fld>
             <a:endParaRPr lang="de-DE"/>
           </a:p>
@@ -1909,7 +1741,7 @@
           </a:bodyPr>
           <a:lstStyle>
             <a:lvl1pPr algn="l">
-              <a:defRPr sz="3200" b="0" cap="all"/>
+              <a:defRPr sz="2800" b="0" cap="all"/>
             </a:lvl1pPr>
           </a:lstStyle>
           <a:p>
@@ -5121,7 +4953,7 @@
         </p:nvSpPr>
         <p:spPr>
           <a:xfrm>
-            <a:off x="684212" y="392764"/>
+            <a:off x="684212" y="1330284"/>
             <a:ext cx="5411788" cy="1089837"/>
           </a:xfrm>
         </p:spPr>
@@ -5131,7 +4963,7 @@
           </a:bodyPr>
           <a:lstStyle>
             <a:lvl1pPr algn="l">
-              <a:defRPr sz="2400" b="0"/>
+              <a:defRPr sz="2800" b="0"/>
             </a:lvl1pPr>
           </a:lstStyle>
           <a:p>
@@ -5214,8 +5046,8 @@
         </p:nvSpPr>
         <p:spPr>
           <a:xfrm>
-            <a:off x="684212" y="1526781"/>
-            <a:ext cx="5411788" cy="3804438"/>
+            <a:off x="684212" y="2495120"/>
+            <a:ext cx="5411788" cy="3446688"/>
           </a:xfrm>
         </p:spPr>
         <p:txBody>
@@ -5263,7 +5095,7 @@
           <a:p>
             <a:pPr lvl="0"/>
             <a:r>
-              <a:rPr lang="de-DE"/>
+              <a:rPr lang="de-DE" dirty="0"/>
               <a:t>Mastertextformat bearbeiten</a:t>
             </a:r>
           </a:p>
@@ -5302,15 +5134,25 @@
             <p:ph type="ftr" sz="quarter" idx="11"/>
           </p:nvPr>
         </p:nvSpPr>
-        <p:spPr/>
-        <p:txBody>
-          <a:bodyPr/>
-          <a:lstStyle/>
-          <a:p>
-            <a:r>
-              <a:rPr lang="de-DE"/>
-              <a:t>Benjamin Swarovsky                                                                                                            eTourism</a:t>
-            </a:r>
+        <p:spPr>
+          <a:xfrm>
+            <a:off x="684212" y="6381342"/>
+            <a:ext cx="7543800" cy="365125"/>
+          </a:xfrm>
+        </p:spPr>
+        <p:txBody>
+          <a:bodyPr/>
+          <a:lstStyle/>
+          <a:p>
+            <a:r>
+              <a:rPr lang="de-DE" dirty="0"/>
+              <a:t>Benjamin Swarovsky                                                                                                            </a:t>
+            </a:r>
+            <a:r>
+              <a:rPr lang="de-DE" dirty="0" err="1"/>
+              <a:t>eTourism</a:t>
+            </a:r>
+            <a:endParaRPr lang="de-DE" dirty="0"/>
           </a:p>
         </p:txBody>
       </p:sp>
@@ -5956,7 +5798,7 @@
         </p:nvSpPr>
         <p:spPr>
           <a:xfrm>
-            <a:off x="9904412" y="6172200"/>
+            <a:off x="9897797" y="6381343"/>
             <a:ext cx="1600200" cy="365125"/>
           </a:xfrm>
           <a:prstGeom prst="rect">
@@ -5997,7 +5839,7 @@
         </p:nvSpPr>
         <p:spPr>
           <a:xfrm>
-            <a:off x="684212" y="6172200"/>
+            <a:off x="684212" y="6381343"/>
             <a:ext cx="7543800" cy="365125"/>
           </a:xfrm>
           <a:prstGeom prst="rect">
@@ -6038,7 +5880,7 @@
         </p:nvSpPr>
         <p:spPr>
           <a:xfrm>
-            <a:off x="10363200" y="5578475"/>
+            <a:off x="10669436" y="5606846"/>
             <a:ext cx="1142245" cy="669925"/>
           </a:xfrm>
           <a:prstGeom prst="rect">
@@ -7207,7 +7049,7 @@
           <p:cNvPr id="2" name="Titel 1">
             <a:extLst>
               <a:ext uri="{FF2B5EF4-FFF2-40B4-BE49-F238E27FC236}">
-                <a16:creationId xmlns:a16="http://schemas.microsoft.com/office/drawing/2014/main" id="{1614CF45-D99C-4591-ABEB-B07731B6D6B5}"/>
+                <a16:creationId xmlns:a16="http://schemas.microsoft.com/office/drawing/2014/main" id="{A268761E-C0F3-4458-8CB2-E07C26138624}"/>
               </a:ext>
             </a:extLst>
           </p:cNvPr>
@@ -7220,13 +7062,25 @@
         </p:nvSpPr>
         <p:spPr/>
         <p:txBody>
-          <a:bodyPr/>
+          <a:bodyPr>
+            <a:normAutofit fontScale="90000"/>
+          </a:bodyPr>
           <a:lstStyle/>
           <a:p>
             <a:r>
               <a:rPr lang="de-DE" dirty="0" err="1"/>
               <a:t>LeistungsanbieterSysteme</a:t>
             </a:r>
+            <a:br>
+              <a:rPr lang="de-DE" dirty="0"/>
+            </a:br>
+            <a:r>
+              <a:rPr lang="de-DE" dirty="0"/>
+              <a:t>Flughafen</a:t>
+            </a:r>
+            <a:br>
+              <a:rPr lang="de-DE" dirty="0"/>
+            </a:br>
             <a:endParaRPr lang="de-DE" dirty="0"/>
           </a:p>
         </p:txBody>
@@ -7236,7 +7090,7 @@
           <p:cNvPr id="4" name="Textplatzhalter 3">
             <a:extLst>
               <a:ext uri="{FF2B5EF4-FFF2-40B4-BE49-F238E27FC236}">
-                <a16:creationId xmlns:a16="http://schemas.microsoft.com/office/drawing/2014/main" id="{F0DE3A69-685B-436E-9A8D-51BB7473EB9A}"/>
+                <a16:creationId xmlns:a16="http://schemas.microsoft.com/office/drawing/2014/main" id="{CE2DA3CB-D0FA-4E99-88A7-52E96FD4B579}"/>
               </a:ext>
             </a:extLst>
           </p:cNvPr>
@@ -7249,27 +7103,31 @@
         </p:nvSpPr>
         <p:spPr/>
         <p:txBody>
-          <a:bodyPr/>
-          <a:lstStyle/>
-          <a:p>
-            <a:r>
-              <a:rPr lang="de-DE" sz="2400" dirty="0" err="1"/>
-              <a:t>Inflight</a:t>
-            </a:r>
+          <a:bodyPr>
+            <a:normAutofit/>
+          </a:bodyPr>
+          <a:lstStyle/>
+          <a:p>
+            <a:r>
+              <a:rPr lang="de-DE" sz="1800" dirty="0"/>
+              <a:t>Die Systeme sorgen für den reibungslosen Ablauf des Flughafenbetriebes</a:t>
+            </a:r>
+          </a:p>
+          <a:p>
+            <a:r>
+              <a:rPr lang="de-DE" sz="1800" dirty="0"/>
+              <a:t>Für die Planung von Abläufen wie etwa für die Flugzeugabfertigung sowohl kurz- als auch Langfristig, kommen Planungs- Dispositions- und Administrationssystemen zum Einsatz. </a:t>
+            </a:r>
+          </a:p>
+          <a:p>
+            <a:r>
+              <a:rPr lang="de-DE" sz="1800" dirty="0"/>
+              <a:t>Passagierleitsysteme betrachten auch Großflächig den verkehr um den Bereich des Flughafens</a:t>
+            </a:r>
+          </a:p>
+          <a:p>
             <a:endParaRPr lang="de-DE" sz="2400" dirty="0"/>
           </a:p>
-          <a:p>
-            <a:endParaRPr lang="de-DE" sz="2400" dirty="0"/>
-          </a:p>
-          <a:p>
-            <a:r>
-              <a:rPr lang="de-DE" dirty="0"/>
-              <a:t>D</a:t>
-            </a:r>
-          </a:p>
-          <a:p>
-            <a:endParaRPr lang="de-DE" dirty="0"/>
-          </a:p>
         </p:txBody>
       </p:sp>
       <p:sp>
@@ -7277,7 +7135,7 @@
           <p:cNvPr id="5" name="Fußzeilenplatzhalter 4">
             <a:extLst>
               <a:ext uri="{FF2B5EF4-FFF2-40B4-BE49-F238E27FC236}">
-                <a16:creationId xmlns:a16="http://schemas.microsoft.com/office/drawing/2014/main" id="{F481761F-16EF-4E64-A819-D4A4D36376CE}"/>
+                <a16:creationId xmlns:a16="http://schemas.microsoft.com/office/drawing/2014/main" id="{90145DC8-D07B-4A67-9013-CDE4B720DB78}"/>
               </a:ext>
             </a:extLst>
           </p:cNvPr>
@@ -7305,7 +7163,7 @@
           <p:cNvPr id="6" name="Foliennummernplatzhalter 5">
             <a:extLst>
               <a:ext uri="{FF2B5EF4-FFF2-40B4-BE49-F238E27FC236}">
-                <a16:creationId xmlns:a16="http://schemas.microsoft.com/office/drawing/2014/main" id="{537FC0C6-77A8-4980-B49F-0BE094DF51D4}"/>
+                <a16:creationId xmlns:a16="http://schemas.microsoft.com/office/drawing/2014/main" id="{8C9B7379-F5DF-40AE-B884-BDF60C15B927}"/>
               </a:ext>
             </a:extLst>
           </p:cNvPr>
@@ -7334,7 +7192,7 @@
           <p:cNvPr id="7" name="Inhaltsplatzhalter 6">
             <a:extLst>
               <a:ext uri="{FF2B5EF4-FFF2-40B4-BE49-F238E27FC236}">
-                <a16:creationId xmlns:a16="http://schemas.microsoft.com/office/drawing/2014/main" id="{ABA9B32B-67AB-44E0-8AE5-A604F30D6A17}"/>
+                <a16:creationId xmlns:a16="http://schemas.microsoft.com/office/drawing/2014/main" id="{FF79E92A-CAAB-4541-B833-711E585A5B98}"/>
               </a:ext>
             </a:extLst>
           </p:cNvPr>
@@ -7360,47 +7218,8 @@
         </p:blipFill>
         <p:spPr bwMode="auto">
           <a:xfrm>
-            <a:off x="5751989" y="685800"/>
-            <a:ext cx="3152578" cy="2547643"/>
-          </a:xfrm>
-          <a:prstGeom prst="rect">
-            <a:avLst/>
-          </a:prstGeom>
-          <a:noFill/>
-          <a:ln>
-            <a:noFill/>
-          </a:ln>
-        </p:spPr>
-      </p:pic>
-      <p:pic>
-        <p:nvPicPr>
-          <p:cNvPr id="8" name="Grafik 7">
-            <a:extLst>
-              <a:ext uri="{FF2B5EF4-FFF2-40B4-BE49-F238E27FC236}">
-                <a16:creationId xmlns:a16="http://schemas.microsoft.com/office/drawing/2014/main" id="{2F0C3884-790D-4613-A8CE-FCD838A9AE7C}"/>
-              </a:ext>
-            </a:extLst>
-          </p:cNvPr>
-          <p:cNvPicPr/>
-          <p:nvPr/>
-        </p:nvPicPr>
-        <p:blipFill>
-          <a:blip r:embed="rId3" cstate="print">
-            <a:extLst>
-              <a:ext uri="{28A0092B-C50C-407E-A947-70E740481C1C}">
-                <a14:useLocalDpi xmlns:a14="http://schemas.microsoft.com/office/drawing/2010/main" val="0"/>
-              </a:ext>
-            </a:extLst>
-          </a:blip>
-          <a:srcRect/>
-          <a:stretch>
-            <a:fillRect/>
-          </a:stretch>
-        </p:blipFill>
-        <p:spPr bwMode="auto">
-          <a:xfrm>
-            <a:off x="5751989" y="3365754"/>
-            <a:ext cx="4137078" cy="2563926"/>
+            <a:off x="6096000" y="1187917"/>
+            <a:ext cx="5831418" cy="4482165"/>
           </a:xfrm>
           <a:prstGeom prst="rect">
             <a:avLst/>
@@ -7414,7 +7233,7 @@
     </p:spTree>
     <p:extLst>
       <p:ext uri="{BB962C8B-B14F-4D97-AF65-F5344CB8AC3E}">
-        <p14:creationId xmlns:p14="http://schemas.microsoft.com/office/powerpoint/2010/main" val="3665790097"/>
+        <p14:creationId xmlns:p14="http://schemas.microsoft.com/office/powerpoint/2010/main" val="2379958642"/>
       </p:ext>
     </p:extLst>
   </p:cSld>
@@ -7446,7 +7265,7 @@
           <p:cNvPr id="2" name="Titel 1">
             <a:extLst>
               <a:ext uri="{FF2B5EF4-FFF2-40B4-BE49-F238E27FC236}">
-                <a16:creationId xmlns:a16="http://schemas.microsoft.com/office/drawing/2014/main" id="{A268761E-C0F3-4458-8CB2-E07C26138624}"/>
+                <a16:creationId xmlns:a16="http://schemas.microsoft.com/office/drawing/2014/main" id="{EAE5E7E1-FDE4-48D3-AB11-E2775F64F9BE}"/>
               </a:ext>
             </a:extLst>
           </p:cNvPr>
@@ -7459,13 +7278,25 @@
         </p:nvSpPr>
         <p:spPr/>
         <p:txBody>
-          <a:bodyPr/>
+          <a:bodyPr>
+            <a:normAutofit fontScale="90000"/>
+          </a:bodyPr>
           <a:lstStyle/>
           <a:p>
             <a:r>
               <a:rPr lang="de-DE" dirty="0" err="1"/>
               <a:t>LeistungsanbieterSysteme</a:t>
             </a:r>
+            <a:br>
+              <a:rPr lang="de-DE" dirty="0"/>
+            </a:br>
+            <a:r>
+              <a:rPr lang="de-DE" dirty="0"/>
+              <a:t>Hotel und Gastronomie</a:t>
+            </a:r>
+            <a:br>
+              <a:rPr lang="de-DE" dirty="0"/>
+            </a:br>
             <a:endParaRPr lang="de-DE" dirty="0"/>
           </a:p>
         </p:txBody>
@@ -7475,7 +7306,7 @@
           <p:cNvPr id="4" name="Textplatzhalter 3">
             <a:extLst>
               <a:ext uri="{FF2B5EF4-FFF2-40B4-BE49-F238E27FC236}">
-                <a16:creationId xmlns:a16="http://schemas.microsoft.com/office/drawing/2014/main" id="{CE2DA3CB-D0FA-4E99-88A7-52E96FD4B579}"/>
+                <a16:creationId xmlns:a16="http://schemas.microsoft.com/office/drawing/2014/main" id="{E354CEC6-E3B2-4AC8-AF1A-EA36FC182EAF}"/>
               </a:ext>
             </a:extLst>
           </p:cNvPr>
@@ -7489,14 +7320,74 @@
         <p:spPr/>
         <p:txBody>
           <a:bodyPr>
-            <a:normAutofit/>
+            <a:normAutofit fontScale="92500" lnSpcReduction="10000"/>
           </a:bodyPr>
           <a:lstStyle/>
           <a:p>
             <a:r>
-              <a:rPr lang="de-DE" sz="2400" dirty="0"/>
-              <a:t>Flughafen</a:t>
-            </a:r>
+              <a:rPr lang="de-DE" sz="1800" dirty="0"/>
+              <a:t>Ausgebautes WLAN</a:t>
+            </a:r>
+          </a:p>
+          <a:p>
+            <a:r>
+              <a:rPr lang="de-DE" sz="1800" dirty="0"/>
+              <a:t>Moderne Kassensysteme wie zum Beispiel Gastrofix</a:t>
+            </a:r>
+          </a:p>
+          <a:p>
+            <a:r>
+              <a:rPr lang="de-DE" sz="1800" dirty="0"/>
+              <a:t>CRS zur Verbindung des Hotels mit externen Reisemittlern über ein Global Distribution System</a:t>
+            </a:r>
+          </a:p>
+          <a:p>
+            <a:r>
+              <a:rPr lang="de-DE" sz="1800" dirty="0"/>
+              <a:t>PMS: </a:t>
+            </a:r>
+          </a:p>
+          <a:p>
+            <a:pPr marL="285750" indent="-285750">
+              <a:buFont typeface="Arial" panose="020B0604020202020204" pitchFamily="34" charset="0"/>
+              <a:buChar char="•"/>
+            </a:pPr>
+            <a:r>
+              <a:rPr lang="de-DE" dirty="0"/>
+              <a:t>Check In/Out, Zimmerplanung, Hotelshops (Einzelhandel) und Sicherheitsmanagement</a:t>
+            </a:r>
+          </a:p>
+          <a:p>
+            <a:pPr marL="285750" indent="-285750">
+              <a:buFont typeface="Arial" panose="020B0604020202020204" pitchFamily="34" charset="0"/>
+              <a:buChar char="•"/>
+            </a:pPr>
+            <a:r>
+              <a:rPr lang="de-DE" dirty="0"/>
+              <a:t>Datensammlung ermöglicht </a:t>
+            </a:r>
+            <a:r>
+              <a:rPr lang="de-DE" dirty="0" err="1"/>
+              <a:t>Auswrtungen</a:t>
+            </a:r>
+            <a:r>
+              <a:rPr lang="de-DE" dirty="0"/>
+              <a:t> wie Beispielsweise Konsumverhalten </a:t>
+            </a:r>
+            <a:r>
+              <a:rPr lang="de-DE"/>
+              <a:t>des Kunden</a:t>
+            </a:r>
+          </a:p>
+          <a:p>
+            <a:r>
+              <a:rPr lang="de-DE" dirty="0"/>
+              <a:t> </a:t>
+            </a:r>
+            <a:endParaRPr lang="de-DE" sz="1800" dirty="0"/>
+          </a:p>
+          <a:p>
+            <a:endParaRPr lang="de-DE" sz="2400" dirty="0"/>
           </a:p>
         </p:txBody>
       </p:sp>
@@ -7505,7 +7396,7 @@
           <p:cNvPr id="5" name="Fußzeilenplatzhalter 4">
             <a:extLst>
               <a:ext uri="{FF2B5EF4-FFF2-40B4-BE49-F238E27FC236}">
-                <a16:creationId xmlns:a16="http://schemas.microsoft.com/office/drawing/2014/main" id="{90145DC8-D07B-4A67-9013-CDE4B720DB78}"/>
+                <a16:creationId xmlns:a16="http://schemas.microsoft.com/office/drawing/2014/main" id="{55321C3E-E619-480B-9D06-481DC3EE0511}"/>
               </a:ext>
             </a:extLst>
           </p:cNvPr>
@@ -7533,7 +7424,7 @@
           <p:cNvPr id="6" name="Foliennummernplatzhalter 5">
             <a:extLst>
               <a:ext uri="{FF2B5EF4-FFF2-40B4-BE49-F238E27FC236}">
-                <a16:creationId xmlns:a16="http://schemas.microsoft.com/office/drawing/2014/main" id="{8C9B7379-F5DF-40AE-B884-BDF60C15B927}"/>
+                <a16:creationId xmlns:a16="http://schemas.microsoft.com/office/drawing/2014/main" id="{811E94D4-63B8-40A4-9D13-DA23C6CCEED8}"/>
               </a:ext>
             </a:extLst>
           </p:cNvPr>
@@ -7562,7 +7453,7 @@
           <p:cNvPr id="7" name="Inhaltsplatzhalter 6">
             <a:extLst>
               <a:ext uri="{FF2B5EF4-FFF2-40B4-BE49-F238E27FC236}">
-                <a16:creationId xmlns:a16="http://schemas.microsoft.com/office/drawing/2014/main" id="{FF79E92A-CAAB-4541-B833-711E585A5B98}"/>
+                <a16:creationId xmlns:a16="http://schemas.microsoft.com/office/drawing/2014/main" id="{8EEDA8C4-EF58-4292-82FA-B5CEE396E12A}"/>
               </a:ext>
             </a:extLst>
           </p:cNvPr>
@@ -7588,8 +7479,8 @@
         </p:blipFill>
         <p:spPr bwMode="auto">
           <a:xfrm>
-            <a:off x="4972049" y="1096309"/>
-            <a:ext cx="5831418" cy="4482165"/>
+            <a:off x="5910614" y="1053808"/>
+            <a:ext cx="6102351" cy="4453887"/>
           </a:xfrm>
           <a:prstGeom prst="rect">
             <a:avLst/>
@@ -7603,7 +7494,7 @@
     </p:spTree>
     <p:extLst>
       <p:ext uri="{BB962C8B-B14F-4D97-AF65-F5344CB8AC3E}">
-        <p14:creationId xmlns:p14="http://schemas.microsoft.com/office/powerpoint/2010/main" val="2379958642"/>
+        <p14:creationId xmlns:p14="http://schemas.microsoft.com/office/powerpoint/2010/main" val="3562172237"/>
       </p:ext>
     </p:extLst>
   </p:cSld>
@@ -7648,13 +7539,25 @@
         </p:nvSpPr>
         <p:spPr/>
         <p:txBody>
-          <a:bodyPr/>
+          <a:bodyPr>
+            <a:normAutofit fontScale="90000"/>
+          </a:bodyPr>
           <a:lstStyle/>
           <a:p>
             <a:r>
               <a:rPr lang="de-DE" dirty="0" err="1"/>
-              <a:t>LeistungsanbieterSysteme</a:t>
-            </a:r>
+              <a:t>ReisemittlerSysteme</a:t>
+            </a:r>
+            <a:br>
+              <a:rPr lang="de-DE" dirty="0"/>
+            </a:br>
+            <a:r>
+              <a:rPr lang="de-DE" dirty="0"/>
+              <a:t>Global Distribution System</a:t>
+            </a:r>
+            <a:br>
+              <a:rPr lang="de-DE" dirty="0"/>
+            </a:br>
             <a:endParaRPr lang="de-DE" dirty="0"/>
           </a:p>
         </p:txBody>
@@ -7682,10 +7585,7 @@
           </a:bodyPr>
           <a:lstStyle/>
           <a:p>
-            <a:r>
-              <a:rPr lang="de-DE" sz="2400" dirty="0"/>
-              <a:t>Hotel und Gastronomie</a:t>
-            </a:r>
+            <a:endParaRPr lang="de-DE" sz="2400" dirty="0"/>
           </a:p>
         </p:txBody>
       </p:sp>
@@ -7748,10 +7648,10 @@
       </p:sp>
       <p:pic>
         <p:nvPicPr>
-          <p:cNvPr id="7" name="Inhaltsplatzhalter 6">
+          <p:cNvPr id="9" name="Inhaltsplatzhalter 8">
             <a:extLst>
               <a:ext uri="{FF2B5EF4-FFF2-40B4-BE49-F238E27FC236}">
-                <a16:creationId xmlns:a16="http://schemas.microsoft.com/office/drawing/2014/main" id="{8EEDA8C4-EF58-4292-82FA-B5CEE396E12A}"/>
+                <a16:creationId xmlns:a16="http://schemas.microsoft.com/office/drawing/2014/main" id="{135CFEE4-E184-4E36-A98A-07B52D1E2C3D}"/>
               </a:ext>
             </a:extLst>
           </p:cNvPr>
@@ -7777,8 +7677,8 @@
         </p:blipFill>
         <p:spPr bwMode="auto">
           <a:xfrm>
-            <a:off x="5097814" y="1297822"/>
-            <a:ext cx="6102351" cy="4453887"/>
+            <a:off x="5723442" y="1320502"/>
+            <a:ext cx="5915403" cy="2147101"/>
           </a:xfrm>
           <a:prstGeom prst="rect">
             <a:avLst/>
@@ -7792,7 +7692,7 @@
     </p:spTree>
     <p:extLst>
       <p:ext uri="{BB962C8B-B14F-4D97-AF65-F5344CB8AC3E}">
-        <p14:creationId xmlns:p14="http://schemas.microsoft.com/office/powerpoint/2010/main" val="3562172237"/>
+        <p14:creationId xmlns:p14="http://schemas.microsoft.com/office/powerpoint/2010/main" val="216971525"/>
       </p:ext>
     </p:extLst>
   </p:cSld>
@@ -7824,7 +7724,7 @@
           <p:cNvPr id="2" name="Titel 1">
             <a:extLst>
               <a:ext uri="{FF2B5EF4-FFF2-40B4-BE49-F238E27FC236}">
-                <a16:creationId xmlns:a16="http://schemas.microsoft.com/office/drawing/2014/main" id="{EAE5E7E1-FDE4-48D3-AB11-E2775F64F9BE}"/>
+                <a16:creationId xmlns:a16="http://schemas.microsoft.com/office/drawing/2014/main" id="{F95C437A-E468-4E3E-9925-6E787BB6E02E}"/>
               </a:ext>
             </a:extLst>
           </p:cNvPr>
@@ -7844,46 +7744,51 @@
               <a:rPr lang="de-DE" dirty="0" err="1"/>
               <a:t>ReisemittlerSysteme</a:t>
             </a:r>
+            <a:br>
+              <a:rPr lang="de-DE" dirty="0"/>
+            </a:br>
+            <a:r>
+              <a:rPr lang="de-DE" dirty="0" err="1"/>
+              <a:t>OnlineReisebüro</a:t>
+            </a:r>
+            <a:r>
+              <a:rPr lang="de-DE" dirty="0"/>
+              <a:t> </a:t>
+            </a:r>
+          </a:p>
+        </p:txBody>
+      </p:sp>
+      <p:sp>
+        <p:nvSpPr>
+          <p:cNvPr id="3" name="Textplatzhalter 2">
+            <a:extLst>
+              <a:ext uri="{FF2B5EF4-FFF2-40B4-BE49-F238E27FC236}">
+                <a16:creationId xmlns:a16="http://schemas.microsoft.com/office/drawing/2014/main" id="{D55B8125-EBC3-4115-BCAB-FABD7252618B}"/>
+              </a:ext>
+            </a:extLst>
+          </p:cNvPr>
+          <p:cNvSpPr>
+            <a:spLocks noGrp="1"/>
+          </p:cNvSpPr>
+          <p:nvPr>
+            <p:ph type="body" idx="1"/>
+          </p:nvPr>
+        </p:nvSpPr>
+        <p:spPr/>
+        <p:txBody>
+          <a:bodyPr/>
+          <a:lstStyle/>
+          <a:p>
             <a:endParaRPr lang="de-DE" dirty="0"/>
           </a:p>
         </p:txBody>
       </p:sp>
       <p:sp>
         <p:nvSpPr>
-          <p:cNvPr id="4" name="Textplatzhalter 3">
+          <p:cNvPr id="4" name="Fußzeilenplatzhalter 3">
             <a:extLst>
               <a:ext uri="{FF2B5EF4-FFF2-40B4-BE49-F238E27FC236}">
-                <a16:creationId xmlns:a16="http://schemas.microsoft.com/office/drawing/2014/main" id="{E354CEC6-E3B2-4AC8-AF1A-EA36FC182EAF}"/>
-              </a:ext>
-            </a:extLst>
-          </p:cNvPr>
-          <p:cNvSpPr>
-            <a:spLocks noGrp="1"/>
-          </p:cNvSpPr>
-          <p:nvPr>
-            <p:ph type="body" sz="half" idx="2"/>
-          </p:nvPr>
-        </p:nvSpPr>
-        <p:spPr/>
-        <p:txBody>
-          <a:bodyPr>
-            <a:normAutofit/>
-          </a:bodyPr>
-          <a:lstStyle/>
-          <a:p>
-            <a:r>
-              <a:rPr lang="de-DE" sz="2400" dirty="0"/>
-              <a:t>Global Distribution System</a:t>
-            </a:r>
-          </a:p>
-        </p:txBody>
-      </p:sp>
-      <p:sp>
-        <p:nvSpPr>
-          <p:cNvPr id="5" name="Fußzeilenplatzhalter 4">
-            <a:extLst>
-              <a:ext uri="{FF2B5EF4-FFF2-40B4-BE49-F238E27FC236}">
-                <a16:creationId xmlns:a16="http://schemas.microsoft.com/office/drawing/2014/main" id="{55321C3E-E619-480B-9D06-481DC3EE0511}"/>
+                <a16:creationId xmlns:a16="http://schemas.microsoft.com/office/drawing/2014/main" id="{E3F38A19-3A8B-41AD-A177-63A29F0D3E87}"/>
               </a:ext>
             </a:extLst>
           </p:cNvPr>
@@ -7903,15 +7808,16 @@
               <a:rPr lang="de-DE"/>
               <a:t>Benjamin Swarovsky                                                                                                            eTourism</a:t>
             </a:r>
-          </a:p>
-        </p:txBody>
-      </p:sp>
-      <p:sp>
-        <p:nvSpPr>
-          <p:cNvPr id="6" name="Foliennummernplatzhalter 5">
+            <a:endParaRPr lang="de-DE" dirty="0"/>
+          </a:p>
+        </p:txBody>
+      </p:sp>
+      <p:sp>
+        <p:nvSpPr>
+          <p:cNvPr id="5" name="Foliennummernplatzhalter 4">
             <a:extLst>
               <a:ext uri="{FF2B5EF4-FFF2-40B4-BE49-F238E27FC236}">
-                <a16:creationId xmlns:a16="http://schemas.microsoft.com/office/drawing/2014/main" id="{811E94D4-63B8-40A4-9D13-DA23C6CCEED8}"/>
+                <a16:creationId xmlns:a16="http://schemas.microsoft.com/office/drawing/2014/main" id="{643EF6EF-637C-417C-890A-B2C70662D956}"/>
               </a:ext>
             </a:extLst>
           </p:cNvPr>
@@ -7935,53 +7841,10 @@
           </a:p>
         </p:txBody>
       </p:sp>
-      <p:pic>
-        <p:nvPicPr>
-          <p:cNvPr id="9" name="Inhaltsplatzhalter 8">
-            <a:extLst>
-              <a:ext uri="{FF2B5EF4-FFF2-40B4-BE49-F238E27FC236}">
-                <a16:creationId xmlns:a16="http://schemas.microsoft.com/office/drawing/2014/main" id="{135CFEE4-E184-4E36-A98A-07B52D1E2C3D}"/>
-              </a:ext>
-            </a:extLst>
-          </p:cNvPr>
-          <p:cNvPicPr>
-            <a:picLocks noGrp="1"/>
-          </p:cNvPicPr>
-          <p:nvPr>
-            <p:ph idx="1"/>
-          </p:nvPr>
-        </p:nvPicPr>
-        <p:blipFill>
-          <a:blip r:embed="rId2">
-            <a:extLst>
-              <a:ext uri="{28A0092B-C50C-407E-A947-70E740481C1C}">
-                <a14:useLocalDpi xmlns:a14="http://schemas.microsoft.com/office/drawing/2010/main" val="0"/>
-              </a:ext>
-            </a:extLst>
-          </a:blip>
-          <a:srcRect/>
-          <a:stretch>
-            <a:fillRect/>
-          </a:stretch>
-        </p:blipFill>
-        <p:spPr bwMode="auto">
-          <a:xfrm>
-            <a:off x="5125130" y="1860455"/>
-            <a:ext cx="5915403" cy="2147101"/>
-          </a:xfrm>
-          <a:prstGeom prst="rect">
-            <a:avLst/>
-          </a:prstGeom>
-          <a:noFill/>
-          <a:ln>
-            <a:noFill/>
-          </a:ln>
-        </p:spPr>
-      </p:pic>
     </p:spTree>
     <p:extLst>
       <p:ext uri="{BB962C8B-B14F-4D97-AF65-F5344CB8AC3E}">
-        <p14:creationId xmlns:p14="http://schemas.microsoft.com/office/powerpoint/2010/main" val="216971525"/>
+        <p14:creationId xmlns:p14="http://schemas.microsoft.com/office/powerpoint/2010/main" val="2140663426"/>
       </p:ext>
     </p:extLst>
   </p:cSld>
@@ -8037,12 +7900,8 @@
               <a:rPr lang="de-DE" dirty="0"/>
             </a:br>
             <a:r>
-              <a:rPr lang="de-DE" dirty="0" err="1"/>
-              <a:t>OnlineReisebüro</a:t>
-            </a:r>
-            <a:r>
               <a:rPr lang="de-DE" dirty="0"/>
-              <a:t> </a:t>
+              <a:t>Privatvermittlung</a:t>
             </a:r>
           </a:p>
         </p:txBody>
@@ -8133,7 +7992,7 @@
     </p:spTree>
     <p:extLst>
       <p:ext uri="{BB962C8B-B14F-4D97-AF65-F5344CB8AC3E}">
-        <p14:creationId xmlns:p14="http://schemas.microsoft.com/office/powerpoint/2010/main" val="2140663426"/>
+        <p14:creationId xmlns:p14="http://schemas.microsoft.com/office/powerpoint/2010/main" val="756910462"/>
       </p:ext>
     </p:extLst>
   </p:cSld>
@@ -8182,15 +8041,19 @@
           <a:lstStyle/>
           <a:p>
             <a:r>
-              <a:rPr lang="de-DE" dirty="0" err="1"/>
-              <a:t>ReisemittlerSysteme</a:t>
+              <a:rPr lang="de-DE" dirty="0"/>
+              <a:t>Marketing Managementsysteme</a:t>
             </a:r>
             <a:br>
               <a:rPr lang="de-DE" dirty="0"/>
             </a:br>
             <a:r>
+              <a:rPr lang="de-DE" dirty="0" err="1"/>
+              <a:t>Yield</a:t>
+            </a:r>
+            <a:r>
               <a:rPr lang="de-DE" dirty="0"/>
-              <a:t>Privatvermittlung</a:t>
+              <a:t> Management</a:t>
             </a:r>
           </a:p>
         </p:txBody>
@@ -8281,7 +8144,7 @@
     </p:spTree>
     <p:extLst>
       <p:ext uri="{BB962C8B-B14F-4D97-AF65-F5344CB8AC3E}">
-        <p14:creationId xmlns:p14="http://schemas.microsoft.com/office/powerpoint/2010/main" val="756910462"/>
+        <p14:creationId xmlns:p14="http://schemas.microsoft.com/office/powerpoint/2010/main" val="1573554273"/>
       </p:ext>
     </p:extLst>
   </p:cSld>
@@ -8331,18 +8194,14 @@
           <a:p>
             <a:r>
               <a:rPr lang="de-DE" dirty="0"/>
-              <a:t>Marketing Managementsysteme</a:t>
+              <a:t>Systeme für Endkunden</a:t>
             </a:r>
             <a:br>
               <a:rPr lang="de-DE" dirty="0"/>
             </a:br>
             <a:r>
-              <a:rPr lang="de-DE" dirty="0" err="1"/>
-              <a:t>Yield</a:t>
-            </a:r>
-            <a:r>
               <a:rPr lang="de-DE" dirty="0"/>
-              <a:t> Management</a:t>
+              <a:t>Vergleichsportale</a:t>
             </a:r>
           </a:p>
         </p:txBody>
@@ -8433,7 +8292,7 @@
     </p:spTree>
     <p:extLst>
       <p:ext uri="{BB962C8B-B14F-4D97-AF65-F5344CB8AC3E}">
-        <p14:creationId xmlns:p14="http://schemas.microsoft.com/office/powerpoint/2010/main" val="1573554273"/>
+        <p14:creationId xmlns:p14="http://schemas.microsoft.com/office/powerpoint/2010/main" val="2198183852"/>
       </p:ext>
     </p:extLst>
   </p:cSld>
@@ -8489,8 +8348,12 @@
               <a:rPr lang="de-DE" dirty="0"/>
             </a:br>
             <a:r>
+              <a:rPr lang="de-DE" dirty="0" err="1"/>
+              <a:t>Social</a:t>
+            </a:r>
+            <a:r>
               <a:rPr lang="de-DE" dirty="0"/>
-              <a:t>Vergleichsportale</a:t>
+              <a:t> Media</a:t>
             </a:r>
           </a:p>
         </p:txBody>
@@ -8581,7 +8444,7 @@
     </p:spTree>
     <p:extLst>
       <p:ext uri="{BB962C8B-B14F-4D97-AF65-F5344CB8AC3E}">
-        <p14:creationId xmlns:p14="http://schemas.microsoft.com/office/powerpoint/2010/main" val="2198183852"/>
+        <p14:creationId xmlns:p14="http://schemas.microsoft.com/office/powerpoint/2010/main" val="2000795415"/>
       </p:ext>
     </p:extLst>
   </p:cSld>
@@ -8613,7 +8476,7 @@
           <p:cNvPr id="2" name="Titel 1">
             <a:extLst>
               <a:ext uri="{FF2B5EF4-FFF2-40B4-BE49-F238E27FC236}">
-                <a16:creationId xmlns:a16="http://schemas.microsoft.com/office/drawing/2014/main" id="{F95C437A-E468-4E3E-9925-6E787BB6E02E}"/>
+                <a16:creationId xmlns:a16="http://schemas.microsoft.com/office/drawing/2014/main" id="{62C1817D-9148-45C6-8298-339B70BF154A}"/>
               </a:ext>
             </a:extLst>
           </p:cNvPr>
@@ -8626,58 +8489,75 @@
         </p:nvSpPr>
         <p:spPr/>
         <p:txBody>
-          <a:bodyPr/>
+          <a:bodyPr>
+            <a:normAutofit fontScale="90000"/>
+          </a:bodyPr>
           <a:lstStyle/>
           <a:p>
             <a:r>
               <a:rPr lang="de-DE" dirty="0"/>
-              <a:t>Systeme für Endkunden</a:t>
+              <a:t>Zukunftsaussichten und </a:t>
+            </a:r>
+            <a:r>
+              <a:rPr lang="de-DE" dirty="0" err="1"/>
+              <a:t>trends</a:t>
             </a:r>
             <a:br>
               <a:rPr lang="de-DE" dirty="0"/>
             </a:br>
-            <a:r>
-              <a:rPr lang="de-DE" dirty="0" err="1"/>
-              <a:t>Social</a:t>
-            </a:r>
+            <a:endParaRPr lang="de-DE" dirty="0"/>
+          </a:p>
+        </p:txBody>
+      </p:sp>
+      <p:sp>
+        <p:nvSpPr>
+          <p:cNvPr id="4" name="Textplatzhalter 3">
+            <a:extLst>
+              <a:ext uri="{FF2B5EF4-FFF2-40B4-BE49-F238E27FC236}">
+                <a16:creationId xmlns:a16="http://schemas.microsoft.com/office/drawing/2014/main" id="{879D48CF-BFCE-48A9-BA62-CA39268C461E}"/>
+              </a:ext>
+            </a:extLst>
+          </p:cNvPr>
+          <p:cNvSpPr>
+            <a:spLocks noGrp="1"/>
+          </p:cNvSpPr>
+          <p:nvPr>
+            <p:ph type="body" sz="half" idx="2"/>
+          </p:nvPr>
+        </p:nvSpPr>
+        <p:spPr/>
+        <p:txBody>
+          <a:bodyPr/>
+          <a:lstStyle/>
+          <a:p>
+            <a:endParaRPr lang="de-DE" dirty="0"/>
+          </a:p>
+          <a:p>
             <a:r>
               <a:rPr lang="de-DE" dirty="0"/>
-              <a:t> Media</a:t>
-            </a:r>
-          </a:p>
-        </p:txBody>
-      </p:sp>
-      <p:sp>
-        <p:nvSpPr>
-          <p:cNvPr id="3" name="Textplatzhalter 2">
+              <a:t>VR</a:t>
+            </a:r>
+          </a:p>
+          <a:p>
+            <a:endParaRPr lang="de-DE" dirty="0"/>
+          </a:p>
+          <a:p>
+            <a:endParaRPr lang="de-DE" dirty="0"/>
+          </a:p>
+          <a:p>
+            <a:endParaRPr lang="de-DE" dirty="0"/>
+          </a:p>
+          <a:p>
+            <a:endParaRPr lang="de-DE" dirty="0"/>
+          </a:p>
+        </p:txBody>
+      </p:sp>
+      <p:sp>
+        <p:nvSpPr>
+          <p:cNvPr id="5" name="Fußzeilenplatzhalter 4">
             <a:extLst>
               <a:ext uri="{FF2B5EF4-FFF2-40B4-BE49-F238E27FC236}">
-                <a16:creationId xmlns:a16="http://schemas.microsoft.com/office/drawing/2014/main" id="{D55B8125-EBC3-4115-BCAB-FABD7252618B}"/>
-              </a:ext>
-            </a:extLst>
-          </p:cNvPr>
-          <p:cNvSpPr>
-            <a:spLocks noGrp="1"/>
-          </p:cNvSpPr>
-          <p:nvPr>
-            <p:ph type="body" idx="1"/>
-          </p:nvPr>
-        </p:nvSpPr>
-        <p:spPr/>
-        <p:txBody>
-          <a:bodyPr/>
-          <a:lstStyle/>
-          <a:p>
-            <a:endParaRPr lang="de-DE" dirty="0"/>
-          </a:p>
-        </p:txBody>
-      </p:sp>
-      <p:sp>
-        <p:nvSpPr>
-          <p:cNvPr id="4" name="Fußzeilenplatzhalter 3">
-            <a:extLst>
-              <a:ext uri="{FF2B5EF4-FFF2-40B4-BE49-F238E27FC236}">
-                <a16:creationId xmlns:a16="http://schemas.microsoft.com/office/drawing/2014/main" id="{E3F38A19-3A8B-41AD-A177-63A29F0D3E87}"/>
+                <a16:creationId xmlns:a16="http://schemas.microsoft.com/office/drawing/2014/main" id="{8F5F72F6-8A8E-4FEA-8CF8-A5879EB93795}"/>
               </a:ext>
             </a:extLst>
           </p:cNvPr>
@@ -8697,16 +8577,15 @@
               <a:rPr lang="de-DE"/>
               <a:t>Benjamin Swarovsky                                                                                                            eTourism</a:t>
             </a:r>
-            <a:endParaRPr lang="de-DE" dirty="0"/>
-          </a:p>
-        </p:txBody>
-      </p:sp>
-      <p:sp>
-        <p:nvSpPr>
-          <p:cNvPr id="5" name="Foliennummernplatzhalter 4">
+          </a:p>
+        </p:txBody>
+      </p:sp>
+      <p:sp>
+        <p:nvSpPr>
+          <p:cNvPr id="6" name="Foliennummernplatzhalter 5">
             <a:extLst>
               <a:ext uri="{FF2B5EF4-FFF2-40B4-BE49-F238E27FC236}">
-                <a16:creationId xmlns:a16="http://schemas.microsoft.com/office/drawing/2014/main" id="{643EF6EF-637C-417C-890A-B2C70662D956}"/>
+                <a16:creationId xmlns:a16="http://schemas.microsoft.com/office/drawing/2014/main" id="{07B250FB-EAF3-4A6C-93F9-B6CA9537A408}"/>
               </a:ext>
             </a:extLst>
           </p:cNvPr>
@@ -8725,187 +8604,6 @@
             <a:fld id="{218F81FD-BDEC-44D5-AEC0-D96FA8B6D214}" type="slidenum">
               <a:rPr lang="de-DE" smtClean="0"/>
               <a:t>18</a:t>
-            </a:fld>
-            <a:endParaRPr lang="de-DE"/>
-          </a:p>
-        </p:txBody>
-      </p:sp>
-    </p:spTree>
-    <p:extLst>
-      <p:ext uri="{BB962C8B-B14F-4D97-AF65-F5344CB8AC3E}">
-        <p14:creationId xmlns:p14="http://schemas.microsoft.com/office/powerpoint/2010/main" val="2000795415"/>
-      </p:ext>
-    </p:extLst>
-  </p:cSld>
-  <p:clrMapOvr>
-    <a:masterClrMapping/>
-  </p:clrMapOvr>
-</p:sld>
-</file>
-
-<file path=ppt/slides/slide19.xml><?xml version="1.0" encoding="utf-8"?>
-<p:sld xmlns:a="http://schemas.openxmlformats.org/drawingml/2006/main" xmlns:r="http://schemas.openxmlformats.org/officeDocument/2006/relationships" xmlns:p="http://schemas.openxmlformats.org/presentationml/2006/main">
-  <p:cSld>
-    <p:spTree>
-      <p:nvGrpSpPr>
-        <p:cNvPr id="1" name=""/>
-        <p:cNvGrpSpPr/>
-        <p:nvPr/>
-      </p:nvGrpSpPr>
-      <p:grpSpPr>
-        <a:xfrm>
-          <a:off x="0" y="0"/>
-          <a:ext cx="0" cy="0"/>
-          <a:chOff x="0" y="0"/>
-          <a:chExt cx="0" cy="0"/>
-        </a:xfrm>
-      </p:grpSpPr>
-      <p:sp>
-        <p:nvSpPr>
-          <p:cNvPr id="2" name="Titel 1">
-            <a:extLst>
-              <a:ext uri="{FF2B5EF4-FFF2-40B4-BE49-F238E27FC236}">
-                <a16:creationId xmlns:a16="http://schemas.microsoft.com/office/drawing/2014/main" id="{62C1817D-9148-45C6-8298-339B70BF154A}"/>
-              </a:ext>
-            </a:extLst>
-          </p:cNvPr>
-          <p:cNvSpPr>
-            <a:spLocks noGrp="1"/>
-          </p:cNvSpPr>
-          <p:nvPr>
-            <p:ph type="title"/>
-          </p:nvPr>
-        </p:nvSpPr>
-        <p:spPr/>
-        <p:txBody>
-          <a:bodyPr/>
-          <a:lstStyle/>
-          <a:p>
-            <a:r>
-              <a:rPr lang="de-DE" dirty="0"/>
-              <a:t>Zukunftsaussichten und </a:t>
-            </a:r>
-            <a:r>
-              <a:rPr lang="de-DE" dirty="0" err="1"/>
-              <a:t>trends</a:t>
-            </a:r>
-            <a:endParaRPr lang="de-DE" dirty="0"/>
-          </a:p>
-        </p:txBody>
-      </p:sp>
-      <p:sp>
-        <p:nvSpPr>
-          <p:cNvPr id="4" name="Textplatzhalter 3">
-            <a:extLst>
-              <a:ext uri="{FF2B5EF4-FFF2-40B4-BE49-F238E27FC236}">
-                <a16:creationId xmlns:a16="http://schemas.microsoft.com/office/drawing/2014/main" id="{879D48CF-BFCE-48A9-BA62-CA39268C461E}"/>
-              </a:ext>
-            </a:extLst>
-          </p:cNvPr>
-          <p:cNvSpPr>
-            <a:spLocks noGrp="1"/>
-          </p:cNvSpPr>
-          <p:nvPr>
-            <p:ph type="body" sz="half" idx="2"/>
-          </p:nvPr>
-        </p:nvSpPr>
-        <p:spPr/>
-        <p:txBody>
-          <a:bodyPr/>
-          <a:lstStyle/>
-          <a:p>
-            <a:endParaRPr lang="de-DE" dirty="0"/>
-          </a:p>
-          <a:p>
-            <a:r>
-              <a:rPr lang="de-DE" dirty="0"/>
-              <a:t>VR</a:t>
-            </a:r>
-          </a:p>
-          <a:p>
-            <a:endParaRPr lang="de-DE" dirty="0"/>
-          </a:p>
-          <a:p>
-            <a:r>
-              <a:rPr lang="de-DE" dirty="0"/>
-              <a:t>Influencer</a:t>
-            </a:r>
-          </a:p>
-          <a:p>
-            <a:endParaRPr lang="de-DE" dirty="0"/>
-          </a:p>
-          <a:p>
-            <a:r>
-              <a:rPr lang="de-DE" dirty="0"/>
-              <a:t>Monitoring</a:t>
-            </a:r>
-          </a:p>
-          <a:p>
-            <a:endParaRPr lang="de-DE" dirty="0"/>
-          </a:p>
-          <a:p>
-            <a:endParaRPr lang="de-DE" dirty="0"/>
-          </a:p>
-          <a:p>
-            <a:endParaRPr lang="de-DE" dirty="0"/>
-          </a:p>
-          <a:p>
-            <a:endParaRPr lang="de-DE" dirty="0"/>
-          </a:p>
-        </p:txBody>
-      </p:sp>
-      <p:sp>
-        <p:nvSpPr>
-          <p:cNvPr id="5" name="Fußzeilenplatzhalter 4">
-            <a:extLst>
-              <a:ext uri="{FF2B5EF4-FFF2-40B4-BE49-F238E27FC236}">
-                <a16:creationId xmlns:a16="http://schemas.microsoft.com/office/drawing/2014/main" id="{8F5F72F6-8A8E-4FEA-8CF8-A5879EB93795}"/>
-              </a:ext>
-            </a:extLst>
-          </p:cNvPr>
-          <p:cNvSpPr>
-            <a:spLocks noGrp="1"/>
-          </p:cNvSpPr>
-          <p:nvPr>
-            <p:ph type="ftr" sz="quarter" idx="11"/>
-          </p:nvPr>
-        </p:nvSpPr>
-        <p:spPr/>
-        <p:txBody>
-          <a:bodyPr/>
-          <a:lstStyle/>
-          <a:p>
-            <a:r>
-              <a:rPr lang="de-DE"/>
-              <a:t>Benjamin Swarovsky                                                                                                            eTourism</a:t>
-            </a:r>
-          </a:p>
-        </p:txBody>
-      </p:sp>
-      <p:sp>
-        <p:nvSpPr>
-          <p:cNvPr id="6" name="Foliennummernplatzhalter 5">
-            <a:extLst>
-              <a:ext uri="{FF2B5EF4-FFF2-40B4-BE49-F238E27FC236}">
-                <a16:creationId xmlns:a16="http://schemas.microsoft.com/office/drawing/2014/main" id="{07B250FB-EAF3-4A6C-93F9-B6CA9537A408}"/>
-              </a:ext>
-            </a:extLst>
-          </p:cNvPr>
-          <p:cNvSpPr>
-            <a:spLocks noGrp="1"/>
-          </p:cNvSpPr>
-          <p:nvPr>
-            <p:ph type="sldNum" sz="quarter" idx="12"/>
-          </p:nvPr>
-        </p:nvSpPr>
-        <p:spPr/>
-        <p:txBody>
-          <a:bodyPr/>
-          <a:lstStyle/>
-          <a:p>
-            <a:fld id="{218F81FD-BDEC-44D5-AEC0-D96FA8B6D214}" type="slidenum">
-              <a:rPr lang="de-DE" smtClean="0"/>
-              <a:t>19</a:t>
             </a:fld>
             <a:endParaRPr lang="de-DE"/>
           </a:p>
@@ -8967,6 +8665,167 @@
 </p:sld>
 </file>
 
+<file path=ppt/slides/slide19.xml><?xml version="1.0" encoding="utf-8"?>
+<p:sld xmlns:a="http://schemas.openxmlformats.org/drawingml/2006/main" xmlns:r="http://schemas.openxmlformats.org/officeDocument/2006/relationships" xmlns:p="http://schemas.openxmlformats.org/presentationml/2006/main">
+  <p:cSld>
+    <p:spTree>
+      <p:nvGrpSpPr>
+        <p:cNvPr id="1" name=""/>
+        <p:cNvGrpSpPr/>
+        <p:nvPr/>
+      </p:nvGrpSpPr>
+      <p:grpSpPr>
+        <a:xfrm>
+          <a:off x="0" y="0"/>
+          <a:ext cx="0" cy="0"/>
+          <a:chOff x="0" y="0"/>
+          <a:chExt cx="0" cy="0"/>
+        </a:xfrm>
+      </p:grpSpPr>
+      <p:sp>
+        <p:nvSpPr>
+          <p:cNvPr id="2" name="Titel 1">
+            <a:extLst>
+              <a:ext uri="{FF2B5EF4-FFF2-40B4-BE49-F238E27FC236}">
+                <a16:creationId xmlns:a16="http://schemas.microsoft.com/office/drawing/2014/main" id="{AD5D5387-9777-49C3-880F-A8F702D73353}"/>
+              </a:ext>
+            </a:extLst>
+          </p:cNvPr>
+          <p:cNvSpPr>
+            <a:spLocks noGrp="1"/>
+          </p:cNvSpPr>
+          <p:nvPr>
+            <p:ph type="title"/>
+          </p:nvPr>
+        </p:nvSpPr>
+        <p:spPr/>
+        <p:txBody>
+          <a:bodyPr/>
+          <a:lstStyle/>
+          <a:p>
+            <a:r>
+              <a:rPr lang="de-DE" dirty="0"/>
+              <a:t>Zukunftsaussichten und </a:t>
+            </a:r>
+            <a:r>
+              <a:rPr lang="de-DE" dirty="0" err="1"/>
+              <a:t>trends</a:t>
+            </a:r>
+            <a:endParaRPr lang="de-DE" dirty="0"/>
+          </a:p>
+        </p:txBody>
+      </p:sp>
+      <p:sp>
+        <p:nvSpPr>
+          <p:cNvPr id="3" name="Textplatzhalter 2">
+            <a:extLst>
+              <a:ext uri="{FF2B5EF4-FFF2-40B4-BE49-F238E27FC236}">
+                <a16:creationId xmlns:a16="http://schemas.microsoft.com/office/drawing/2014/main" id="{30DABF1B-2724-43E9-9D67-0BB291BAA70D}"/>
+              </a:ext>
+            </a:extLst>
+          </p:cNvPr>
+          <p:cNvSpPr>
+            <a:spLocks noGrp="1"/>
+          </p:cNvSpPr>
+          <p:nvPr>
+            <p:ph type="body" idx="1"/>
+          </p:nvPr>
+        </p:nvSpPr>
+        <p:spPr/>
+        <p:txBody>
+          <a:bodyPr/>
+          <a:lstStyle/>
+          <a:p>
+            <a:r>
+              <a:rPr lang="de-DE" dirty="0"/>
+              <a:t>Influencer</a:t>
+            </a:r>
+          </a:p>
+          <a:p>
+            <a:endParaRPr lang="de-DE" dirty="0"/>
+          </a:p>
+          <a:p>
+            <a:r>
+              <a:rPr lang="de-DE" dirty="0"/>
+              <a:t>Monitoring</a:t>
+            </a:r>
+          </a:p>
+          <a:p>
+            <a:endParaRPr lang="de-DE" dirty="0"/>
+          </a:p>
+        </p:txBody>
+      </p:sp>
+      <p:sp>
+        <p:nvSpPr>
+          <p:cNvPr id="4" name="Fußzeilenplatzhalter 3">
+            <a:extLst>
+              <a:ext uri="{FF2B5EF4-FFF2-40B4-BE49-F238E27FC236}">
+                <a16:creationId xmlns:a16="http://schemas.microsoft.com/office/drawing/2014/main" id="{1DDBEAFA-09FC-4054-B24E-CE446F2362EF}"/>
+              </a:ext>
+            </a:extLst>
+          </p:cNvPr>
+          <p:cNvSpPr>
+            <a:spLocks noGrp="1"/>
+          </p:cNvSpPr>
+          <p:nvPr>
+            <p:ph type="ftr" sz="quarter" idx="11"/>
+          </p:nvPr>
+        </p:nvSpPr>
+        <p:spPr/>
+        <p:txBody>
+          <a:bodyPr/>
+          <a:lstStyle/>
+          <a:p>
+            <a:r>
+              <a:rPr lang="de-DE"/>
+              <a:t>Benjamin Swarovsky                                                                                                            eTourism</a:t>
+            </a:r>
+            <a:endParaRPr lang="de-DE" dirty="0"/>
+          </a:p>
+        </p:txBody>
+      </p:sp>
+      <p:sp>
+        <p:nvSpPr>
+          <p:cNvPr id="5" name="Foliennummernplatzhalter 4">
+            <a:extLst>
+              <a:ext uri="{FF2B5EF4-FFF2-40B4-BE49-F238E27FC236}">
+                <a16:creationId xmlns:a16="http://schemas.microsoft.com/office/drawing/2014/main" id="{336747F7-0872-4D60-A337-C116A651642D}"/>
+              </a:ext>
+            </a:extLst>
+          </p:cNvPr>
+          <p:cNvSpPr>
+            <a:spLocks noGrp="1"/>
+          </p:cNvSpPr>
+          <p:nvPr>
+            <p:ph type="sldNum" sz="quarter" idx="12"/>
+          </p:nvPr>
+        </p:nvSpPr>
+        <p:spPr/>
+        <p:txBody>
+          <a:bodyPr/>
+          <a:lstStyle/>
+          <a:p>
+            <a:fld id="{218F81FD-BDEC-44D5-AEC0-D96FA8B6D214}" type="slidenum">
+              <a:rPr lang="de-DE" smtClean="0"/>
+              <a:t>19</a:t>
+            </a:fld>
+            <a:endParaRPr lang="de-DE"/>
+          </a:p>
+        </p:txBody>
+      </p:sp>
+    </p:spTree>
+    <p:extLst>
+      <p:ext uri="{BB962C8B-B14F-4D97-AF65-F5344CB8AC3E}">
+        <p14:creationId xmlns:p14="http://schemas.microsoft.com/office/powerpoint/2010/main" val="2317984217"/>
+      </p:ext>
+    </p:extLst>
+  </p:cSld>
+  <p:clrMapOvr>
+    <a:masterClrMapping/>
+  </p:clrMapOvr>
+</p:sld>
+</file>
+
 <file path=ppt/slides/slide2.xml><?xml version="1.0" encoding="utf-8"?>
 <p:sld xmlns:a="http://schemas.openxmlformats.org/drawingml/2006/main" xmlns:r="http://schemas.openxmlformats.org/officeDocument/2006/relationships" xmlns:p="http://schemas.openxmlformats.org/presentationml/2006/main">
   <p:cSld>
@@ -9639,7 +9498,7 @@
           <p:cNvPr id="2" name="Titel 1">
             <a:extLst>
               <a:ext uri="{FF2B5EF4-FFF2-40B4-BE49-F238E27FC236}">
-                <a16:creationId xmlns:a16="http://schemas.microsoft.com/office/drawing/2014/main" id="{764B76DE-EAA2-41DA-B3CA-AB9C08567242}"/>
+                <a16:creationId xmlns:a16="http://schemas.microsoft.com/office/drawing/2014/main" id="{F338B1BD-C616-4DED-BC93-782DC2176122}"/>
               </a:ext>
             </a:extLst>
           </p:cNvPr>
@@ -9650,30 +9509,24 @@
             <p:ph type="title"/>
           </p:nvPr>
         </p:nvSpPr>
-        <p:spPr>
-          <a:xfrm>
-            <a:off x="646112" y="1034902"/>
-            <a:ext cx="9061414" cy="1389321"/>
-          </a:xfrm>
-        </p:spPr>
-        <p:txBody>
-          <a:bodyPr/>
-          <a:lstStyle/>
-          <a:p>
-            <a:r>
-              <a:rPr lang="de-DE"/>
+        <p:spPr/>
+        <p:txBody>
+          <a:bodyPr/>
+          <a:lstStyle/>
+          <a:p>
+            <a:r>
+              <a:rPr lang="de-DE" dirty="0"/>
               <a:t>Problemstellung</a:t>
             </a:r>
-            <a:endParaRPr lang="de-DE" dirty="0"/>
-          </a:p>
-        </p:txBody>
-      </p:sp>
-      <p:sp>
-        <p:nvSpPr>
-          <p:cNvPr id="3" name="Textplatzhalter 2">
+          </a:p>
+        </p:txBody>
+      </p:sp>
+      <p:sp>
+        <p:nvSpPr>
+          <p:cNvPr id="4" name="Fußzeilenplatzhalter 3">
             <a:extLst>
               <a:ext uri="{FF2B5EF4-FFF2-40B4-BE49-F238E27FC236}">
-                <a16:creationId xmlns:a16="http://schemas.microsoft.com/office/drawing/2014/main" id="{2AEDB3EB-2B7A-4951-9D66-F2F8E6155F33}"/>
+                <a16:creationId xmlns:a16="http://schemas.microsoft.com/office/drawing/2014/main" id="{924240CD-F4B0-45B8-A8E0-11EC5F45EF20}"/>
               </a:ext>
             </a:extLst>
           </p:cNvPr>
@@ -9681,101 +9534,10 @@
             <a:spLocks noGrp="1"/>
           </p:cNvSpPr>
           <p:nvPr>
-            <p:ph type="body" idx="1"/>
-          </p:nvPr>
-        </p:nvSpPr>
-        <p:spPr>
-          <a:xfrm>
-            <a:off x="646112" y="2743199"/>
-            <a:ext cx="8795599" cy="3256221"/>
-          </a:xfrm>
-        </p:spPr>
-        <p:txBody>
-          <a:bodyPr/>
-          <a:lstStyle/>
-          <a:p>
-            <a:r>
-              <a:rPr lang="de-DE" sz="2400" dirty="0"/>
-              <a:t>Aus Sicht des Reisenden:</a:t>
-            </a:r>
-          </a:p>
-          <a:p>
-            <a:endParaRPr lang="de-DE" u="sng" dirty="0"/>
-          </a:p>
-          <a:p>
-            <a:pPr marL="342900" indent="-342900">
-              <a:buFont typeface="Arial" panose="020B0604020202020204" pitchFamily="34" charset="0"/>
-              <a:buChar char="•"/>
-            </a:pPr>
-            <a:r>
-              <a:rPr lang="de-DE" dirty="0"/>
-              <a:t>Reiseziel für bestimmten Ort zu einer gegebenen Zeit finden</a:t>
-            </a:r>
-          </a:p>
-          <a:p>
-            <a:pPr marL="342900" indent="-342900">
-              <a:buFont typeface="Arial" panose="020B0604020202020204" pitchFamily="34" charset="0"/>
-              <a:buChar char="•"/>
-            </a:pPr>
-            <a:r>
-              <a:rPr lang="de-DE" dirty="0"/>
-              <a:t>Suchkriterien:  Strandnähe, Verpflegung, Familienfreundlichkeit</a:t>
-            </a:r>
-          </a:p>
-          <a:p>
-            <a:pPr marL="342900" indent="-342900">
-              <a:buFont typeface="Arial" panose="020B0604020202020204" pitchFamily="34" charset="0"/>
-              <a:buChar char="•"/>
-            </a:pPr>
-            <a:r>
-              <a:rPr lang="de-DE" dirty="0"/>
-              <a:t>Beim Transport: Zeitdruck, Flugangst</a:t>
-            </a:r>
-          </a:p>
-          <a:p>
-            <a:pPr marL="342900" indent="-342900">
-              <a:buFont typeface="Arial" panose="020B0604020202020204" pitchFamily="34" charset="0"/>
-              <a:buChar char="•"/>
-            </a:pPr>
-            <a:r>
-              <a:rPr lang="de-DE" dirty="0"/>
-              <a:t>Vor Ort: Kommunikationsverbindung </a:t>
-            </a:r>
-          </a:p>
-          <a:p>
-            <a:pPr marL="342900" indent="-342900">
-              <a:buFont typeface="Arial" panose="020B0604020202020204" pitchFamily="34" charset="0"/>
-              <a:buChar char="•"/>
-            </a:pPr>
-            <a:r>
-              <a:rPr lang="de-DE" dirty="0"/>
-              <a:t>Nach der Reise: Wunsch Kritik zu äußern</a:t>
-            </a:r>
-          </a:p>
-        </p:txBody>
-      </p:sp>
-      <p:sp>
-        <p:nvSpPr>
-          <p:cNvPr id="4" name="Fußzeilenplatzhalter 3">
-            <a:extLst>
-              <a:ext uri="{FF2B5EF4-FFF2-40B4-BE49-F238E27FC236}">
-                <a16:creationId xmlns:a16="http://schemas.microsoft.com/office/drawing/2014/main" id="{C9697C0B-B5DA-47FA-B288-4EF4ED043AD5}"/>
-              </a:ext>
-            </a:extLst>
-          </p:cNvPr>
-          <p:cNvSpPr>
-            <a:spLocks noGrp="1"/>
-          </p:cNvSpPr>
-          <p:nvPr>
             <p:ph type="ftr" sz="quarter" idx="11"/>
           </p:nvPr>
         </p:nvSpPr>
-        <p:spPr>
-          <a:xfrm>
-            <a:off x="684212" y="6172200"/>
-            <a:ext cx="7543800" cy="365125"/>
-          </a:xfrm>
-        </p:spPr>
+        <p:spPr/>
         <p:txBody>
           <a:bodyPr/>
           <a:lstStyle/>
@@ -9784,6 +9546,7 @@
               <a:rPr lang="de-DE"/>
               <a:t>Benjamin Swarovsky                                                                                                            eTourism</a:t>
             </a:r>
+            <a:endParaRPr lang="de-DE" dirty="0"/>
           </a:p>
         </p:txBody>
       </p:sp>
@@ -9792,7 +9555,7 @@
           <p:cNvPr id="5" name="Foliennummernplatzhalter 4">
             <a:extLst>
               <a:ext uri="{FF2B5EF4-FFF2-40B4-BE49-F238E27FC236}">
-                <a16:creationId xmlns:a16="http://schemas.microsoft.com/office/drawing/2014/main" id="{58549012-7AAD-4E1D-BC2C-1986AFEB9458}"/>
+                <a16:creationId xmlns:a16="http://schemas.microsoft.com/office/drawing/2014/main" id="{802C60CA-8B42-46F4-BCC9-8C1670D2A2A6}"/>
               </a:ext>
             </a:extLst>
           </p:cNvPr>
@@ -9803,12 +9566,7 @@
             <p:ph type="sldNum" sz="quarter" idx="12"/>
           </p:nvPr>
         </p:nvSpPr>
-        <p:spPr>
-          <a:xfrm>
-            <a:off x="10363200" y="5578475"/>
-            <a:ext cx="1142245" cy="669925"/>
-          </a:xfrm>
-        </p:spPr>
+        <p:spPr/>
         <p:txBody>
           <a:bodyPr/>
           <a:lstStyle/>
@@ -9821,12 +9579,98 @@
           </a:p>
         </p:txBody>
       </p:sp>
+      <p:sp>
+        <p:nvSpPr>
+          <p:cNvPr id="6" name="Textplatzhalter 2">
+            <a:extLst>
+              <a:ext uri="{FF2B5EF4-FFF2-40B4-BE49-F238E27FC236}">
+                <a16:creationId xmlns:a16="http://schemas.microsoft.com/office/drawing/2014/main" id="{08C75855-CE87-4262-B870-DBC8E2875207}"/>
+              </a:ext>
+            </a:extLst>
+          </p:cNvPr>
+          <p:cNvSpPr>
+            <a:spLocks noGrp="1"/>
+          </p:cNvSpPr>
+          <p:nvPr>
+            <p:ph type="body" idx="1"/>
+          </p:nvPr>
+        </p:nvSpPr>
+        <p:spPr>
+          <a:xfrm>
+            <a:off x="646113" y="2743200"/>
+            <a:ext cx="8796337" cy="3255963"/>
+          </a:xfrm>
+        </p:spPr>
+        <p:txBody>
+          <a:bodyPr/>
+          <a:lstStyle/>
+          <a:p>
+            <a:r>
+              <a:rPr lang="de-DE" sz="2400" dirty="0"/>
+              <a:t>Aus Sicht des Reisenden:</a:t>
+            </a:r>
+          </a:p>
+          <a:p>
+            <a:endParaRPr lang="de-DE" u="sng" dirty="0"/>
+          </a:p>
+          <a:p>
+            <a:pPr marL="342900" indent="-342900">
+              <a:buFont typeface="Arial" panose="020B0604020202020204" pitchFamily="34" charset="0"/>
+              <a:buChar char="•"/>
+            </a:pPr>
+            <a:r>
+              <a:rPr lang="de-DE" dirty="0"/>
+              <a:t>Reiseziel für bestimmten Ort zu einer gegebenen Zeit finden</a:t>
+            </a:r>
+          </a:p>
+          <a:p>
+            <a:pPr marL="342900" indent="-342900">
+              <a:buFont typeface="Arial" panose="020B0604020202020204" pitchFamily="34" charset="0"/>
+              <a:buChar char="•"/>
+            </a:pPr>
+            <a:r>
+              <a:rPr lang="de-DE" dirty="0"/>
+              <a:t>Suchkriterien:  Strandnähe, Verpflegung, Familienfreundlichkeit</a:t>
+            </a:r>
+          </a:p>
+          <a:p>
+            <a:pPr marL="342900" indent="-342900">
+              <a:buFont typeface="Arial" panose="020B0604020202020204" pitchFamily="34" charset="0"/>
+              <a:buChar char="•"/>
+            </a:pPr>
+            <a:r>
+              <a:rPr lang="de-DE" dirty="0"/>
+              <a:t>Beim Transport: Zeitdruck, Flugangst</a:t>
+            </a:r>
+          </a:p>
+          <a:p>
+            <a:pPr marL="342900" indent="-342900">
+              <a:buFont typeface="Arial" panose="020B0604020202020204" pitchFamily="34" charset="0"/>
+              <a:buChar char="•"/>
+            </a:pPr>
+            <a:r>
+              <a:rPr lang="de-DE" dirty="0"/>
+              <a:t>Vor Ort: Kommunikationsverbindung </a:t>
+            </a:r>
+          </a:p>
+          <a:p>
+            <a:pPr marL="342900" indent="-342900">
+              <a:buFont typeface="Arial" panose="020B0604020202020204" pitchFamily="34" charset="0"/>
+              <a:buChar char="•"/>
+            </a:pPr>
+            <a:r>
+              <a:rPr lang="de-DE" dirty="0"/>
+              <a:t>Nach der Reise: Wunsch Kritik zu äußern</a:t>
+            </a:r>
+          </a:p>
+        </p:txBody>
+      </p:sp>
       <p:pic>
         <p:nvPicPr>
-          <p:cNvPr id="9" name="Grafik 8" descr="Lupe">
+          <p:cNvPr id="7" name="Grafik 6" descr="Lupe">
             <a:extLst>
               <a:ext uri="{FF2B5EF4-FFF2-40B4-BE49-F238E27FC236}">
-                <a16:creationId xmlns:a16="http://schemas.microsoft.com/office/drawing/2014/main" id="{6FE1D476-07B9-4FD0-A2A8-D665C66D0223}"/>
+                <a16:creationId xmlns:a16="http://schemas.microsoft.com/office/drawing/2014/main" id="{C65528EA-22E6-46F5-A8A6-FC34E327F7D0}"/>
               </a:ext>
             </a:extLst>
           </p:cNvPr>
@@ -9836,13 +9680,13 @@
           <p:nvPr/>
         </p:nvPicPr>
         <p:blipFill>
-          <a:blip r:embed="rId3">
+          <a:blip r:embed="rId2">
             <a:extLst>
               <a:ext uri="{28A0092B-C50C-407E-A947-70E740481C1C}">
                 <a14:useLocalDpi xmlns:a14="http://schemas.microsoft.com/office/drawing/2010/main" val="0"/>
               </a:ext>
               <a:ext uri="{96DAC541-7B7A-43D3-8B79-37D633B846F1}">
-                <asvg:svgBlip xmlns:asvg="http://schemas.microsoft.com/office/drawing/2016/SVG/main" r:embed="rId4"/>
+                <asvg:svgBlip xmlns:asvg="http://schemas.microsoft.com/office/drawing/2016/SVG/main" r:embed="rId3"/>
               </a:ext>
             </a:extLst>
           </a:blip>
@@ -9862,10 +9706,10 @@
       </p:pic>
       <p:pic>
         <p:nvPicPr>
-          <p:cNvPr id="13" name="Grafik 12" descr="Erdkugel Afrika und Europa">
+          <p:cNvPr id="8" name="Grafik 7" descr="Erdkugel Afrika und Europa">
             <a:extLst>
               <a:ext uri="{FF2B5EF4-FFF2-40B4-BE49-F238E27FC236}">
-                <a16:creationId xmlns:a16="http://schemas.microsoft.com/office/drawing/2014/main" id="{44FA83DB-257E-482B-96D5-04A0A503D3C1}"/>
+                <a16:creationId xmlns:a16="http://schemas.microsoft.com/office/drawing/2014/main" id="{6BAAA64E-FF45-4368-8AB3-CAE9CC4BD1CA}"/>
               </a:ext>
             </a:extLst>
           </p:cNvPr>
@@ -9875,13 +9719,13 @@
           <p:nvPr/>
         </p:nvPicPr>
         <p:blipFill>
-          <a:blip r:embed="rId5">
+          <a:blip r:embed="rId4">
             <a:extLst>
               <a:ext uri="{28A0092B-C50C-407E-A947-70E740481C1C}">
                 <a14:useLocalDpi xmlns:a14="http://schemas.microsoft.com/office/drawing/2010/main" val="0"/>
               </a:ext>
               <a:ext uri="{96DAC541-7B7A-43D3-8B79-37D633B846F1}">
-                <asvg:svgBlip xmlns:asvg="http://schemas.microsoft.com/office/drawing/2016/SVG/main" r:embed="rId6"/>
+                <asvg:svgBlip xmlns:asvg="http://schemas.microsoft.com/office/drawing/2016/SVG/main" r:embed="rId5"/>
               </a:ext>
             </a:extLst>
           </a:blip>
@@ -9901,10 +9745,10 @@
       </p:pic>
       <p:pic>
         <p:nvPicPr>
-          <p:cNvPr id="23" name="Grafik 22" descr="Stoppuhr">
+          <p:cNvPr id="9" name="Grafik 8" descr="Stoppuhr">
             <a:extLst>
               <a:ext uri="{FF2B5EF4-FFF2-40B4-BE49-F238E27FC236}">
-                <a16:creationId xmlns:a16="http://schemas.microsoft.com/office/drawing/2014/main" id="{D733E4B0-321B-4B2D-AD89-CC8FCBFF0116}"/>
+                <a16:creationId xmlns:a16="http://schemas.microsoft.com/office/drawing/2014/main" id="{206051CE-D585-4585-888B-3DDCA68B0AF9}"/>
               </a:ext>
             </a:extLst>
           </p:cNvPr>
@@ -9914,13 +9758,13 @@
           <p:nvPr/>
         </p:nvPicPr>
         <p:blipFill>
-          <a:blip r:embed="rId7">
+          <a:blip r:embed="rId6">
             <a:extLst>
               <a:ext uri="{28A0092B-C50C-407E-A947-70E740481C1C}">
                 <a14:useLocalDpi xmlns:a14="http://schemas.microsoft.com/office/drawing/2010/main" val="0"/>
               </a:ext>
               <a:ext uri="{96DAC541-7B7A-43D3-8B79-37D633B846F1}">
-                <asvg:svgBlip xmlns:asvg="http://schemas.microsoft.com/office/drawing/2016/SVG/main" r:embed="rId8"/>
+                <asvg:svgBlip xmlns:asvg="http://schemas.microsoft.com/office/drawing/2016/SVG/main" r:embed="rId7"/>
               </a:ext>
             </a:extLst>
           </a:blip>
@@ -9940,10 +9784,10 @@
       </p:pic>
       <p:pic>
         <p:nvPicPr>
-          <p:cNvPr id="25" name="Grafik 24" descr="&quot;Daumen hoch&quot;-Zeichen">
+          <p:cNvPr id="10" name="Grafik 9" descr="&quot;Daumen hoch&quot;-Zeichen">
             <a:extLst>
               <a:ext uri="{FF2B5EF4-FFF2-40B4-BE49-F238E27FC236}">
-                <a16:creationId xmlns:a16="http://schemas.microsoft.com/office/drawing/2014/main" id="{B9E9F47F-FB2B-4DE0-B095-CE2C6529F245}"/>
+                <a16:creationId xmlns:a16="http://schemas.microsoft.com/office/drawing/2014/main" id="{37F25D35-17A5-4107-B227-CC205C3FB6BB}"/>
               </a:ext>
             </a:extLst>
           </p:cNvPr>
@@ -9953,13 +9797,13 @@
           <p:nvPr/>
         </p:nvPicPr>
         <p:blipFill>
-          <a:blip r:embed="rId9">
+          <a:blip r:embed="rId8">
             <a:extLst>
               <a:ext uri="{28A0092B-C50C-407E-A947-70E740481C1C}">
                 <a14:useLocalDpi xmlns:a14="http://schemas.microsoft.com/office/drawing/2010/main" val="0"/>
               </a:ext>
               <a:ext uri="{96DAC541-7B7A-43D3-8B79-37D633B846F1}">
-                <asvg:svgBlip xmlns:asvg="http://schemas.microsoft.com/office/drawing/2016/SVG/main" r:embed="rId10"/>
+                <asvg:svgBlip xmlns:asvg="http://schemas.microsoft.com/office/drawing/2016/SVG/main" r:embed="rId9"/>
               </a:ext>
             </a:extLst>
           </a:blip>
@@ -9979,10 +9823,10 @@
       </p:pic>
       <p:pic>
         <p:nvPicPr>
-          <p:cNvPr id="27" name="Grafik 26" descr="Drahtlos">
+          <p:cNvPr id="11" name="Grafik 10" descr="Drahtlos">
             <a:extLst>
               <a:ext uri="{FF2B5EF4-FFF2-40B4-BE49-F238E27FC236}">
-                <a16:creationId xmlns:a16="http://schemas.microsoft.com/office/drawing/2014/main" id="{89156923-AA64-4E39-9084-1BC4596E67DB}"/>
+                <a16:creationId xmlns:a16="http://schemas.microsoft.com/office/drawing/2014/main" id="{E59D9443-EEE9-411C-922C-2C87BAA901E3}"/>
               </a:ext>
             </a:extLst>
           </p:cNvPr>
@@ -9992,13 +9836,13 @@
           <p:nvPr/>
         </p:nvPicPr>
         <p:blipFill>
-          <a:blip r:embed="rId11">
+          <a:blip r:embed="rId10">
             <a:extLst>
               <a:ext uri="{28A0092B-C50C-407E-A947-70E740481C1C}">
                 <a14:useLocalDpi xmlns:a14="http://schemas.microsoft.com/office/drawing/2010/main" val="0"/>
               </a:ext>
               <a:ext uri="{96DAC541-7B7A-43D3-8B79-37D633B846F1}">
-                <asvg:svgBlip xmlns:asvg="http://schemas.microsoft.com/office/drawing/2016/SVG/main" r:embed="rId12"/>
+                <asvg:svgBlip xmlns:asvg="http://schemas.microsoft.com/office/drawing/2016/SVG/main" r:embed="rId11"/>
               </a:ext>
             </a:extLst>
           </a:blip>
@@ -10019,7 +9863,7 @@
     </p:spTree>
     <p:extLst>
       <p:ext uri="{BB962C8B-B14F-4D97-AF65-F5344CB8AC3E}">
-        <p14:creationId xmlns:p14="http://schemas.microsoft.com/office/powerpoint/2010/main" val="22492061"/>
+        <p14:creationId xmlns:p14="http://schemas.microsoft.com/office/powerpoint/2010/main" val="138722298"/>
       </p:ext>
     </p:extLst>
   </p:cSld>
@@ -10488,25 +10332,102 @@
         </p:nvSpPr>
         <p:spPr/>
         <p:txBody>
-          <a:bodyPr/>
-          <a:lstStyle/>
-          <a:p>
-            <a:r>
-              <a:rPr lang="de-DE" dirty="0"/>
+          <a:bodyPr>
+            <a:normAutofit fontScale="25000" lnSpcReduction="20000"/>
+          </a:bodyPr>
+          <a:lstStyle/>
+          <a:p>
+            <a:r>
+              <a:rPr lang="de-DE" sz="5600" dirty="0"/>
               <a:t>Verknüpfung von Informations- und Kommunikationstechnik mit Tourismus</a:t>
             </a:r>
           </a:p>
           <a:p>
             <a:r>
-              <a:rPr lang="de-DE" dirty="0"/>
+              <a:rPr lang="de-DE" sz="5600" dirty="0"/>
               <a:t>Digitalisierung der Touristischen Wertschöpfungskette ist das Zentrale Ziel</a:t>
             </a:r>
           </a:p>
           <a:p>
             <a:r>
-              <a:rPr lang="de-DE" dirty="0"/>
+              <a:rPr lang="de-DE" sz="5600" dirty="0"/>
               <a:t>Steigerung der Wettbewerbsfähigkeit der Tourismusindustrie</a:t>
             </a:r>
+          </a:p>
+          <a:p>
+            <a:endParaRPr lang="de-DE" sz="5600" dirty="0"/>
+          </a:p>
+          <a:p>
+            <a:r>
+              <a:rPr lang="de-DE" sz="5600" dirty="0"/>
+              <a:t>Dadurch entstehen folgende Vorteile:</a:t>
+            </a:r>
+          </a:p>
+          <a:p>
+            <a:endParaRPr lang="de-DE" sz="5600" u="sng" dirty="0"/>
+          </a:p>
+          <a:p>
+            <a:pPr marL="342900" indent="-342900">
+              <a:buFont typeface="Arial" panose="020B0604020202020204" pitchFamily="34" charset="0"/>
+              <a:buChar char="•"/>
+            </a:pPr>
+            <a:r>
+              <a:rPr lang="de-DE" sz="5600" dirty="0"/>
+              <a:t>Schnelle Informationsbereitstellung</a:t>
+            </a:r>
+          </a:p>
+          <a:p>
+            <a:pPr marL="342900" indent="-342900">
+              <a:buFont typeface="Arial" panose="020B0604020202020204" pitchFamily="34" charset="0"/>
+              <a:buChar char="•"/>
+            </a:pPr>
+            <a:r>
+              <a:rPr lang="de-DE" sz="5600" dirty="0"/>
+              <a:t>Informationsangebot wird umfangreicher und aktueller</a:t>
+            </a:r>
+          </a:p>
+          <a:p>
+            <a:pPr marL="342900" lvl="0" indent="-342900">
+              <a:buFont typeface="Arial" panose="020B0604020202020204" pitchFamily="34" charset="0"/>
+              <a:buChar char="•"/>
+            </a:pPr>
+            <a:r>
+              <a:rPr lang="de-DE" sz="5600" dirty="0"/>
+              <a:t>Informationsnachfrage wird detaillierter und spezieller</a:t>
+            </a:r>
+          </a:p>
+          <a:p>
+            <a:pPr marL="342900" lvl="0" indent="-342900">
+              <a:buFont typeface="Arial" panose="020B0604020202020204" pitchFamily="34" charset="0"/>
+              <a:buChar char="•"/>
+            </a:pPr>
+            <a:r>
+              <a:rPr lang="de-DE" sz="5600" dirty="0"/>
+              <a:t>Zugang zu Kunden wird einfacher und billiger</a:t>
+            </a:r>
+          </a:p>
+          <a:p>
+            <a:pPr marL="342900" lvl="0" indent="-342900">
+              <a:buFont typeface="Arial" panose="020B0604020202020204" pitchFamily="34" charset="0"/>
+              <a:buChar char="•"/>
+            </a:pPr>
+            <a:r>
+              <a:rPr lang="de-DE" sz="5600" dirty="0"/>
+              <a:t>Der Informationskonsum wird selektiver</a:t>
+            </a:r>
+          </a:p>
+          <a:p>
+            <a:pPr marL="342900" lvl="0" indent="-342900">
+              <a:buFont typeface="Arial" panose="020B0604020202020204" pitchFamily="34" charset="0"/>
+              <a:buChar char="•"/>
+            </a:pPr>
+            <a:r>
+              <a:rPr lang="de-DE" sz="5600" dirty="0"/>
+              <a:t>Möglichkeiten zur Beeinflussung des Konsumverhaltens werden verbessert </a:t>
+            </a:r>
+          </a:p>
+          <a:p>
+            <a:endParaRPr lang="de-DE" sz="5600" dirty="0"/>
           </a:p>
           <a:p>
             <a:pPr marL="342900" indent="-342900">
@@ -10610,7 +10531,7 @@
           <p:cNvPr id="2" name="Titel 1">
             <a:extLst>
               <a:ext uri="{FF2B5EF4-FFF2-40B4-BE49-F238E27FC236}">
-                <a16:creationId xmlns:a16="http://schemas.microsoft.com/office/drawing/2014/main" id="{764B76DE-EAA2-41DA-B3CA-AB9C08567242}"/>
+                <a16:creationId xmlns:a16="http://schemas.microsoft.com/office/drawing/2014/main" id="{6DBEBE10-F486-4D44-8060-FC1D47E34033}"/>
               </a:ext>
             </a:extLst>
           </p:cNvPr>
@@ -10628,11 +10549,11 @@
           <a:p>
             <a:r>
               <a:rPr lang="de-DE" dirty="0"/>
-              <a:t>Begriffserklärung </a:t>
+              <a:t>Einteilung </a:t>
             </a:r>
             <a:r>
               <a:rPr lang="de-DE" dirty="0" err="1"/>
-              <a:t>eTourism</a:t>
+              <a:t>tourismus</a:t>
             </a:r>
             <a:endParaRPr lang="de-DE" dirty="0"/>
           </a:p>
@@ -10643,7 +10564,7 @@
           <p:cNvPr id="3" name="Textplatzhalter 2">
             <a:extLst>
               <a:ext uri="{FF2B5EF4-FFF2-40B4-BE49-F238E27FC236}">
-                <a16:creationId xmlns:a16="http://schemas.microsoft.com/office/drawing/2014/main" id="{2AEDB3EB-2B7A-4951-9D66-F2F8E6155F33}"/>
+                <a16:creationId xmlns:a16="http://schemas.microsoft.com/office/drawing/2014/main" id="{EC2CD465-BE7F-48BC-8F5E-1CB015CB7DBF}"/>
               </a:ext>
             </a:extLst>
           </p:cNvPr>
@@ -10656,18 +10577,13 @@
         </p:nvSpPr>
         <p:spPr/>
         <p:txBody>
-          <a:bodyPr>
-            <a:normAutofit fontScale="92500" lnSpcReduction="20000"/>
-          </a:bodyPr>
-          <a:lstStyle/>
-          <a:p>
-            <a:r>
-              <a:rPr lang="de-DE" sz="2400" dirty="0"/>
-              <a:t>Dadurch entstehen folgende Vorteile:</a:t>
-            </a:r>
-          </a:p>
-          <a:p>
-            <a:endParaRPr lang="de-DE" u="sng" dirty="0"/>
+          <a:bodyPr/>
+          <a:lstStyle/>
+          <a:p>
+            <a:r>
+              <a:rPr lang="de-DE" dirty="0"/>
+              <a:t>Leistungsanbieter:</a:t>
+            </a:r>
           </a:p>
           <a:p>
             <a:pPr marL="342900" indent="-342900">
@@ -10675,8 +10591,18 @@
               <a:buChar char="•"/>
             </a:pPr>
             <a:r>
+              <a:rPr lang="de-DE" sz="1900" dirty="0"/>
+              <a:t>Stellen Leistungen bereit wie zum Beispiel Wellnessangebote, Führungen, Transport und Sportprogramme</a:t>
+            </a:r>
+          </a:p>
+          <a:p>
+            <a:r>
+              <a:rPr lang="de-DE" dirty="0" err="1"/>
+              <a:t>Reisemittler</a:t>
+            </a:r>
+            <a:r>
               <a:rPr lang="de-DE" dirty="0"/>
-              <a:t>Schnelle Informationsbereitstellung</a:t>
+              <a:t>:</a:t>
             </a:r>
           </a:p>
           <a:p>
@@ -10685,48 +10611,18 @@
               <a:buChar char="•"/>
             </a:pPr>
             <a:r>
-              <a:rPr lang="de-DE" dirty="0"/>
-              <a:t>Informationsangebot wird umfangreicher und aktueller</a:t>
-            </a:r>
-          </a:p>
-          <a:p>
-            <a:pPr marL="342900" lvl="0" indent="-342900">
+              <a:rPr lang="de-DE" sz="1900" dirty="0"/>
+              <a:t>vermitteln Kunden an den Leistungsanbieter gegen eine Provision</a:t>
+            </a:r>
+          </a:p>
+          <a:p>
+            <a:pPr marL="342900" indent="-342900">
               <a:buFont typeface="Arial" panose="020B0604020202020204" pitchFamily="34" charset="0"/>
               <a:buChar char="•"/>
             </a:pPr>
             <a:r>
-              <a:rPr lang="de-DE" dirty="0"/>
-              <a:t>Informationsnachfrage wird detaillierter und spezieller</a:t>
-            </a:r>
-          </a:p>
-          <a:p>
-            <a:pPr marL="342900" lvl="0" indent="-342900">
-              <a:buFont typeface="Arial" panose="020B0604020202020204" pitchFamily="34" charset="0"/>
-              <a:buChar char="•"/>
-            </a:pPr>
-            <a:r>
-              <a:rPr lang="de-DE" dirty="0"/>
-              <a:t>Zugang zu Kunden wird einfacher und billiger</a:t>
-            </a:r>
-          </a:p>
-          <a:p>
-            <a:pPr marL="342900" lvl="0" indent="-342900">
-              <a:buFont typeface="Arial" panose="020B0604020202020204" pitchFamily="34" charset="0"/>
-              <a:buChar char="•"/>
-            </a:pPr>
-            <a:r>
-              <a:rPr lang="de-DE" dirty="0"/>
-              <a:t>Der Informationskonsum wird selektiver</a:t>
-            </a:r>
-          </a:p>
-          <a:p>
-            <a:pPr marL="342900" lvl="0" indent="-342900">
-              <a:buFont typeface="Arial" panose="020B0604020202020204" pitchFamily="34" charset="0"/>
-              <a:buChar char="•"/>
-            </a:pPr>
-            <a:r>
-              <a:rPr lang="de-DE" dirty="0"/>
-              <a:t>Möglichkeiten zur Beeinflussung des Konsumverhaltens werden verbessert </a:t>
+              <a:rPr lang="de-DE" sz="1900" dirty="0"/>
+              <a:t>Beispiele sind Webshops, Stationäre Reisebüros und Call Center</a:t>
             </a:r>
           </a:p>
         </p:txBody>
@@ -10736,7 +10632,7 @@
           <p:cNvPr id="4" name="Fußzeilenplatzhalter 3">
             <a:extLst>
               <a:ext uri="{FF2B5EF4-FFF2-40B4-BE49-F238E27FC236}">
-                <a16:creationId xmlns:a16="http://schemas.microsoft.com/office/drawing/2014/main" id="{C9697C0B-B5DA-47FA-B288-4EF4ED043AD5}"/>
+                <a16:creationId xmlns:a16="http://schemas.microsoft.com/office/drawing/2014/main" id="{8A68872B-BC21-4DB5-9ACC-901CD219BC8F}"/>
               </a:ext>
             </a:extLst>
           </p:cNvPr>
@@ -10756,6 +10652,7 @@
               <a:rPr lang="de-DE"/>
               <a:t>Benjamin Swarovsky                                                                                                            eTourism</a:t>
             </a:r>
+            <a:endParaRPr lang="de-DE" dirty="0"/>
           </a:p>
         </p:txBody>
       </p:sp>
@@ -10764,7 +10661,7 @@
           <p:cNvPr id="5" name="Foliennummernplatzhalter 4">
             <a:extLst>
               <a:ext uri="{FF2B5EF4-FFF2-40B4-BE49-F238E27FC236}">
-                <a16:creationId xmlns:a16="http://schemas.microsoft.com/office/drawing/2014/main" id="{58549012-7AAD-4E1D-BC2C-1986AFEB9458}"/>
+                <a16:creationId xmlns:a16="http://schemas.microsoft.com/office/drawing/2014/main" id="{7C8DFD6A-B283-423A-A52B-7E8E73A6E69D}"/>
               </a:ext>
             </a:extLst>
           </p:cNvPr>
@@ -10791,7 +10688,7 @@
     </p:spTree>
     <p:extLst>
       <p:ext uri="{BB962C8B-B14F-4D97-AF65-F5344CB8AC3E}">
-        <p14:creationId xmlns:p14="http://schemas.microsoft.com/office/powerpoint/2010/main" val="2594451292"/>
+        <p14:creationId xmlns:p14="http://schemas.microsoft.com/office/powerpoint/2010/main" val="2739538149"/>
       </p:ext>
     </p:extLst>
   </p:cSld>
@@ -10869,12 +10766,14 @@
         </p:nvSpPr>
         <p:spPr/>
         <p:txBody>
-          <a:bodyPr/>
-          <a:lstStyle/>
-          <a:p>
-            <a:r>
-              <a:rPr lang="de-DE" dirty="0"/>
-              <a:t>Leistungsanbieter:</a:t>
+          <a:bodyPr>
+            <a:normAutofit fontScale="92500" lnSpcReduction="20000"/>
+          </a:bodyPr>
+          <a:lstStyle/>
+          <a:p>
+            <a:r>
+              <a:rPr lang="de-DE" sz="2200" dirty="0"/>
+              <a:t>Endkunden:</a:t>
             </a:r>
           </a:p>
           <a:p>
@@ -10883,18 +10782,8 @@
               <a:buChar char="•"/>
             </a:pPr>
             <a:r>
-              <a:rPr lang="de-DE" sz="1900" dirty="0"/>
-              <a:t>Stellen Leistungen bereit wie zum Beispiel Wellnessangebote, Führungen, Transport und Sportprogramme</a:t>
-            </a:r>
-          </a:p>
-          <a:p>
-            <a:r>
-              <a:rPr lang="de-DE" dirty="0" err="1"/>
-              <a:t>Reisemittler</a:t>
-            </a:r>
-            <a:r>
               <a:rPr lang="de-DE" dirty="0"/>
-              <a:t>:</a:t>
+              <a:t>Privatpersonen</a:t>
             </a:r>
           </a:p>
           <a:p>
@@ -10903,8 +10792,17 @@
               <a:buChar char="•"/>
             </a:pPr>
             <a:r>
-              <a:rPr lang="de-DE" sz="1900" dirty="0"/>
-              <a:t>vermitteln Kunden an den Leistungsanbieter gegen eine Provision</a:t>
+              <a:rPr lang="de-DE" dirty="0"/>
+              <a:t>Systeme für Endkunden sind zum Beispiel Vergleichsportale oder Onlinereiseführer</a:t>
+            </a:r>
+          </a:p>
+          <a:p>
+            <a:endParaRPr lang="de-DE" dirty="0"/>
+          </a:p>
+          <a:p>
+            <a:r>
+              <a:rPr lang="de-DE" sz="2200" dirty="0"/>
+              <a:t>Marketing Managementsysteme:</a:t>
             </a:r>
           </a:p>
           <a:p>
@@ -10913,17 +10811,34 @@
               <a:buChar char="•"/>
             </a:pPr>
             <a:r>
-              <a:rPr lang="de-DE" sz="1900" dirty="0"/>
-              <a:t>Beispiele sind Webshops, </a:t>
-            </a:r>
-            <a:r>
-              <a:rPr lang="de-DE" sz="1900" dirty="0" err="1"/>
-              <a:t>Staionäre</a:t>
-            </a:r>
-            <a:r>
-              <a:rPr lang="de-DE" sz="1900" dirty="0"/>
-              <a:t> Reisebüros und Call Center</a:t>
-            </a:r>
+              <a:rPr lang="de-DE" dirty="0"/>
+              <a:t>Für Informationsmanagement Probleme aller Akteure denen keine einzelne Perspektive zugeordnet werden kann, bieten sie eine Lösung</a:t>
+            </a:r>
+          </a:p>
+          <a:p>
+            <a:pPr marL="342900" indent="-342900">
+              <a:buFont typeface="Arial" panose="020B0604020202020204" pitchFamily="34" charset="0"/>
+              <a:buChar char="•"/>
+            </a:pPr>
+            <a:r>
+              <a:rPr lang="de-DE" dirty="0"/>
+              <a:t>Vertreter sind zum Beispiel CRM und </a:t>
+            </a:r>
+            <a:r>
+              <a:rPr lang="de-DE" dirty="0" err="1"/>
+              <a:t>Yield</a:t>
+            </a:r>
+            <a:r>
+              <a:rPr lang="de-DE" dirty="0"/>
+              <a:t> Management</a:t>
+            </a:r>
+          </a:p>
+          <a:p>
+            <a:pPr marL="342900" indent="-342900">
+              <a:buFont typeface="Arial" panose="020B0604020202020204" pitchFamily="34" charset="0"/>
+              <a:buChar char="•"/>
+            </a:pPr>
+            <a:endParaRPr lang="de-DE" dirty="0"/>
           </a:p>
         </p:txBody>
       </p:sp>
@@ -10988,7 +10903,7 @@
     </p:spTree>
     <p:extLst>
       <p:ext uri="{BB962C8B-B14F-4D97-AF65-F5344CB8AC3E}">
-        <p14:creationId xmlns:p14="http://schemas.microsoft.com/office/powerpoint/2010/main" val="2739538149"/>
+        <p14:creationId xmlns:p14="http://schemas.microsoft.com/office/powerpoint/2010/main" val="3742474133"/>
       </p:ext>
     </p:extLst>
   </p:cSld>
@@ -11020,7 +10935,7 @@
           <p:cNvPr id="2" name="Titel 1">
             <a:extLst>
               <a:ext uri="{FF2B5EF4-FFF2-40B4-BE49-F238E27FC236}">
-                <a16:creationId xmlns:a16="http://schemas.microsoft.com/office/drawing/2014/main" id="{6DBEBE10-F486-4D44-8060-FC1D47E34033}"/>
+                <a16:creationId xmlns:a16="http://schemas.microsoft.com/office/drawing/2014/main" id="{6C715C8B-04A8-49C9-B7D2-B107CB8901E2}"/>
               </a:ext>
             </a:extLst>
           </p:cNvPr>
@@ -11033,27 +10948,35 @@
         </p:nvSpPr>
         <p:spPr/>
         <p:txBody>
-          <a:bodyPr/>
-          <a:lstStyle/>
-          <a:p>
-            <a:r>
+          <a:bodyPr>
+            <a:normAutofit fontScale="90000"/>
+          </a:bodyPr>
+          <a:lstStyle/>
+          <a:p>
+            <a:r>
+              <a:rPr lang="de-DE" sz="2800" dirty="0" err="1"/>
+              <a:t>LeistungsanbieterSysteme</a:t>
+            </a:r>
+            <a:br>
               <a:rPr lang="de-DE" dirty="0"/>
-              <a:t>Einteilung </a:t>
-            </a:r>
-            <a:r>
-              <a:rPr lang="de-DE" dirty="0" err="1"/>
-              <a:t>tourismus</a:t>
-            </a:r>
-            <a:endParaRPr lang="de-DE" dirty="0"/>
-          </a:p>
-        </p:txBody>
-      </p:sp>
-      <p:sp>
-        <p:nvSpPr>
-          <p:cNvPr id="3" name="Textplatzhalter 2">
+            </a:br>
+            <a:r>
+              <a:rPr lang="de-DE" dirty="0"/>
+              <a:t>Reiseveranstalter</a:t>
+            </a:r>
+            <a:br>
+              <a:rPr lang="de-DE" dirty="0"/>
+            </a:br>
+            <a:endParaRPr lang="de-DE" sz="2800" dirty="0"/>
+          </a:p>
+        </p:txBody>
+      </p:sp>
+      <p:sp>
+        <p:nvSpPr>
+          <p:cNvPr id="4" name="Textplatzhalter 3">
             <a:extLst>
               <a:ext uri="{FF2B5EF4-FFF2-40B4-BE49-F238E27FC236}">
-                <a16:creationId xmlns:a16="http://schemas.microsoft.com/office/drawing/2014/main" id="{EC2CD465-BE7F-48BC-8F5E-1CB015CB7DBF}"/>
+                <a16:creationId xmlns:a16="http://schemas.microsoft.com/office/drawing/2014/main" id="{5AF4E494-596F-4F14-81EA-B16B01D00C13}"/>
               </a:ext>
             </a:extLst>
           </p:cNvPr>
@@ -11061,93 +10984,41 @@
             <a:spLocks noGrp="1"/>
           </p:cNvSpPr>
           <p:nvPr>
-            <p:ph type="body" idx="1"/>
+            <p:ph type="body" sz="half" idx="2"/>
           </p:nvPr>
         </p:nvSpPr>
         <p:spPr/>
         <p:txBody>
           <a:bodyPr>
-            <a:normAutofit fontScale="92500" lnSpcReduction="20000"/>
+            <a:normAutofit/>
           </a:bodyPr>
           <a:lstStyle/>
           <a:p>
-            <a:r>
-              <a:rPr lang="de-DE" sz="2200" dirty="0"/>
-              <a:t>Endkunden:</a:t>
-            </a:r>
-          </a:p>
-          <a:p>
-            <a:pPr marL="342900" indent="-342900">
-              <a:buFont typeface="Arial" panose="020B0604020202020204" pitchFamily="34" charset="0"/>
-              <a:buChar char="•"/>
-            </a:pPr>
-            <a:r>
-              <a:rPr lang="de-DE" dirty="0"/>
-              <a:t>Privatpersonen</a:t>
-            </a:r>
-          </a:p>
-          <a:p>
-            <a:pPr marL="342900" indent="-342900">
-              <a:buFont typeface="Arial" panose="020B0604020202020204" pitchFamily="34" charset="0"/>
-              <a:buChar char="•"/>
-            </a:pPr>
-            <a:r>
-              <a:rPr lang="de-DE" dirty="0"/>
-              <a:t>Systeme für Endkunden sind zum Beispiel Vergleichsportale oder Onlinereiseführer</a:t>
-            </a:r>
-          </a:p>
-          <a:p>
-            <a:endParaRPr lang="de-DE" dirty="0"/>
-          </a:p>
-          <a:p>
-            <a:r>
-              <a:rPr lang="de-DE" sz="2200" dirty="0"/>
-              <a:t>Marketing Managementsysteme:</a:t>
-            </a:r>
-          </a:p>
-          <a:p>
-            <a:pPr marL="342900" indent="-342900">
-              <a:buFont typeface="Arial" panose="020B0604020202020204" pitchFamily="34" charset="0"/>
-              <a:buChar char="•"/>
-            </a:pPr>
-            <a:r>
-              <a:rPr lang="de-DE" dirty="0"/>
-              <a:t>Für Informationsmanagement Probleme aller Akteure denen keine einzelne Perspektive zugeordnet werden kann, bieten sie eine Lösung</a:t>
-            </a:r>
-          </a:p>
-          <a:p>
-            <a:pPr marL="342900" indent="-342900">
-              <a:buFont typeface="Arial" panose="020B0604020202020204" pitchFamily="34" charset="0"/>
-              <a:buChar char="•"/>
-            </a:pPr>
-            <a:r>
-              <a:rPr lang="de-DE" dirty="0"/>
-              <a:t>Vertreter sind zum Beispiel CRM und </a:t>
-            </a:r>
-            <a:r>
-              <a:rPr lang="de-DE" dirty="0" err="1"/>
-              <a:t>Yield</a:t>
-            </a:r>
-            <a:r>
-              <a:rPr lang="de-DE" dirty="0"/>
-              <a:t> Management</a:t>
-            </a:r>
-          </a:p>
-          <a:p>
-            <a:pPr marL="342900" indent="-342900">
-              <a:buFont typeface="Arial" panose="020B0604020202020204" pitchFamily="34" charset="0"/>
-              <a:buChar char="•"/>
-            </a:pPr>
-            <a:endParaRPr lang="de-DE" dirty="0"/>
-          </a:p>
-        </p:txBody>
-      </p:sp>
-      <p:sp>
-        <p:nvSpPr>
-          <p:cNvPr id="4" name="Fußzeilenplatzhalter 3">
+            <a:endParaRPr lang="de-DE" sz="1800" dirty="0"/>
+          </a:p>
+          <a:p>
+            <a:r>
+              <a:rPr lang="de-DE" sz="1800" dirty="0"/>
+              <a:t>Einkaufssysteme: Einkauf von Leistungen wie z.B. Transport, Beherbergung oder Reiseführungen</a:t>
+            </a:r>
+          </a:p>
+          <a:p>
+            <a:r>
+              <a:rPr lang="de-DE" sz="1800" dirty="0"/>
+              <a:t>Produktionssysteme: Bündelung der Leistungen für die Saisonplanung</a:t>
+            </a:r>
+          </a:p>
+          <a:p>
+            <a:endParaRPr lang="de-DE" sz="1800" dirty="0"/>
+          </a:p>
+        </p:txBody>
+      </p:sp>
+      <p:sp>
+        <p:nvSpPr>
+          <p:cNvPr id="5" name="Fußzeilenplatzhalter 4">
             <a:extLst>
               <a:ext uri="{FF2B5EF4-FFF2-40B4-BE49-F238E27FC236}">
-                <a16:creationId xmlns:a16="http://schemas.microsoft.com/office/drawing/2014/main" id="{8A68872B-BC21-4DB5-9ACC-901CD219BC8F}"/>
+                <a16:creationId xmlns:a16="http://schemas.microsoft.com/office/drawing/2014/main" id="{AFDC8BA4-BE69-4C6C-A5A3-0D1ED8586348}"/>
               </a:ext>
             </a:extLst>
           </p:cNvPr>
@@ -11167,16 +11038,15 @@
               <a:rPr lang="de-DE"/>
               <a:t>Benjamin Swarovsky                                                                                                            eTourism</a:t>
             </a:r>
-            <a:endParaRPr lang="de-DE" dirty="0"/>
-          </a:p>
-        </p:txBody>
-      </p:sp>
-      <p:sp>
-        <p:nvSpPr>
-          <p:cNvPr id="5" name="Foliennummernplatzhalter 4">
+          </a:p>
+        </p:txBody>
+      </p:sp>
+      <p:sp>
+        <p:nvSpPr>
+          <p:cNvPr id="6" name="Foliennummernplatzhalter 5">
             <a:extLst>
               <a:ext uri="{FF2B5EF4-FFF2-40B4-BE49-F238E27FC236}">
-                <a16:creationId xmlns:a16="http://schemas.microsoft.com/office/drawing/2014/main" id="{7C8DFD6A-B283-423A-A52B-7E8E73A6E69D}"/>
+                <a16:creationId xmlns:a16="http://schemas.microsoft.com/office/drawing/2014/main" id="{B30A0B0B-53DA-4BA1-97F9-F66D4D2F519A}"/>
               </a:ext>
             </a:extLst>
           </p:cNvPr>
@@ -11200,10 +11070,104 @@
           </a:p>
         </p:txBody>
       </p:sp>
+      <p:pic>
+        <p:nvPicPr>
+          <p:cNvPr id="7" name="Inhaltsplatzhalter 6">
+            <a:extLst>
+              <a:ext uri="{FF2B5EF4-FFF2-40B4-BE49-F238E27FC236}">
+                <a16:creationId xmlns:a16="http://schemas.microsoft.com/office/drawing/2014/main" id="{74731B5B-8652-4ED1-A5B1-70FE77F4D969}"/>
+              </a:ext>
+            </a:extLst>
+          </p:cNvPr>
+          <p:cNvPicPr>
+            <a:picLocks noGrp="1"/>
+          </p:cNvPicPr>
+          <p:nvPr>
+            <p:ph idx="1"/>
+          </p:nvPr>
+        </p:nvPicPr>
+        <p:blipFill>
+          <a:blip r:embed="rId3">
+            <a:extLst>
+              <a:ext uri="{28A0092B-C50C-407E-A947-70E740481C1C}">
+                <a14:useLocalDpi xmlns:a14="http://schemas.microsoft.com/office/drawing/2010/main" val="0"/>
+              </a:ext>
+            </a:extLst>
+          </a:blip>
+          <a:srcRect/>
+          <a:stretch>
+            <a:fillRect/>
+          </a:stretch>
+        </p:blipFill>
+        <p:spPr bwMode="auto">
+          <a:xfrm>
+            <a:off x="6096000" y="1230710"/>
+            <a:ext cx="5411788" cy="3904808"/>
+          </a:xfrm>
+          <a:prstGeom prst="rect">
+            <a:avLst/>
+          </a:prstGeom>
+          <a:noFill/>
+          <a:ln>
+            <a:noFill/>
+          </a:ln>
+        </p:spPr>
+      </p:pic>
+      <p:sp>
+        <p:nvSpPr>
+          <p:cNvPr id="3" name="Textfeld 2">
+            <a:extLst>
+              <a:ext uri="{FF2B5EF4-FFF2-40B4-BE49-F238E27FC236}">
+                <a16:creationId xmlns:a16="http://schemas.microsoft.com/office/drawing/2014/main" id="{42A072CB-64B6-4D03-8F6E-23568264A1FF}"/>
+              </a:ext>
+            </a:extLst>
+          </p:cNvPr>
+          <p:cNvSpPr txBox="1"/>
+          <p:nvPr/>
+        </p:nvSpPr>
+        <p:spPr>
+          <a:xfrm>
+            <a:off x="6009129" y="5202165"/>
+            <a:ext cx="4139582" cy="553998"/>
+          </a:xfrm>
+          <a:prstGeom prst="rect">
+            <a:avLst/>
+          </a:prstGeom>
+          <a:noFill/>
+        </p:spPr>
+        <p:txBody>
+          <a:bodyPr wrap="square" rtlCol="0">
+            <a:spAutoFit/>
+          </a:bodyPr>
+          <a:lstStyle/>
+          <a:p>
+            <a:r>
+              <a:rPr lang="de-DE" sz="1000" dirty="0"/>
+              <a:t>Quelle: </a:t>
+            </a:r>
+            <a:r>
+              <a:rPr lang="de-DE" sz="1000" dirty="0" err="1"/>
+              <a:t>Weithöner</a:t>
+            </a:r>
+            <a:r>
+              <a:rPr lang="de-DE" sz="1000" dirty="0"/>
+              <a:t>, U., &amp; Goecke, R. (15. 06 2020). </a:t>
+            </a:r>
+            <a:r>
+              <a:rPr lang="de-DE" sz="1000" i="1" dirty="0"/>
+              <a:t>www.tourismus-it.de</a:t>
+            </a:r>
+            <a:r>
+              <a:rPr lang="de-DE" sz="1000" dirty="0"/>
+              <a:t>. Von https://www.tourismus-it.de/it-systeme/anbieter-systeme/16-25-im-bei-reiseveranstaltern</a:t>
+            </a:r>
+          </a:p>
+        </p:txBody>
+      </p:sp>
     </p:spTree>
     <p:extLst>
       <p:ext uri="{BB962C8B-B14F-4D97-AF65-F5344CB8AC3E}">
-        <p14:creationId xmlns:p14="http://schemas.microsoft.com/office/powerpoint/2010/main" val="3742474133"/>
+        <p14:creationId xmlns:p14="http://schemas.microsoft.com/office/powerpoint/2010/main" val="121131904"/>
       </p:ext>
     </p:extLst>
   </p:cSld>
@@ -11235,7 +11199,7 @@
           <p:cNvPr id="2" name="Titel 1">
             <a:extLst>
               <a:ext uri="{FF2B5EF4-FFF2-40B4-BE49-F238E27FC236}">
-                <a16:creationId xmlns:a16="http://schemas.microsoft.com/office/drawing/2014/main" id="{6C715C8B-04A8-49C9-B7D2-B107CB8901E2}"/>
+                <a16:creationId xmlns:a16="http://schemas.microsoft.com/office/drawing/2014/main" id="{1614CF45-D99C-4591-ABEB-B07731B6D6B5}"/>
               </a:ext>
             </a:extLst>
           </p:cNvPr>
@@ -11248,13 +11212,25 @@
         </p:nvSpPr>
         <p:spPr/>
         <p:txBody>
-          <a:bodyPr/>
+          <a:bodyPr>
+            <a:normAutofit fontScale="90000"/>
+          </a:bodyPr>
           <a:lstStyle/>
           <a:p>
             <a:r>
               <a:rPr lang="de-DE" dirty="0" err="1"/>
               <a:t>LeistungsanbieterSysteme</a:t>
             </a:r>
+            <a:br>
+              <a:rPr lang="de-DE" dirty="0"/>
+            </a:br>
+            <a:r>
+              <a:rPr lang="de-DE" dirty="0" err="1"/>
+              <a:t>Inflight</a:t>
+            </a:r>
+            <a:br>
+              <a:rPr lang="de-DE" dirty="0"/>
+            </a:br>
             <a:endParaRPr lang="de-DE" dirty="0"/>
           </a:p>
         </p:txBody>
@@ -11264,7 +11240,7 @@
           <p:cNvPr id="4" name="Textplatzhalter 3">
             <a:extLst>
               <a:ext uri="{FF2B5EF4-FFF2-40B4-BE49-F238E27FC236}">
-                <a16:creationId xmlns:a16="http://schemas.microsoft.com/office/drawing/2014/main" id="{5AF4E494-596F-4F14-81EA-B16B01D00C13}"/>
+                <a16:creationId xmlns:a16="http://schemas.microsoft.com/office/drawing/2014/main" id="{F0DE3A69-685B-436E-9A8D-51BB7473EB9A}"/>
               </a:ext>
             </a:extLst>
           </p:cNvPr>
@@ -11277,22 +11253,93 @@
         </p:nvSpPr>
         <p:spPr/>
         <p:txBody>
-          <a:bodyPr>
-            <a:normAutofit/>
-          </a:bodyPr>
-          <a:lstStyle/>
-          <a:p>
-            <a:r>
-              <a:rPr lang="de-DE" sz="2400" dirty="0"/>
-              <a:t>Reiseveranstalter</a:t>
-            </a:r>
-          </a:p>
-          <a:p>
+          <a:bodyPr/>
+          <a:lstStyle/>
+          <a:p>
+            <a:endParaRPr lang="de-DE" sz="2400" dirty="0"/>
+          </a:p>
+          <a:p>
+            <a:r>
+              <a:rPr lang="de-DE" sz="1800" dirty="0"/>
+              <a:t>Unterhaltungsprogramm:</a:t>
+            </a:r>
+          </a:p>
+          <a:p>
+            <a:pPr marL="285750" indent="-285750">
+              <a:buFont typeface="Arial" panose="020B0604020202020204" pitchFamily="34" charset="0"/>
+              <a:buChar char="•"/>
+            </a:pPr>
+            <a:r>
+              <a:rPr lang="de-DE" sz="1800" dirty="0"/>
+              <a:t>Programm ÜBER LCD per </a:t>
+            </a:r>
+            <a:r>
+              <a:rPr lang="de-DE" sz="1800" dirty="0" err="1"/>
+              <a:t>touch</a:t>
+            </a:r>
+            <a:r>
+              <a:rPr lang="de-DE" sz="1800" dirty="0"/>
+              <a:t> wählbar</a:t>
+            </a:r>
+          </a:p>
+          <a:p>
+            <a:pPr marL="285750" indent="-285750">
+              <a:buFont typeface="Arial" panose="020B0604020202020204" pitchFamily="34" charset="0"/>
+              <a:buChar char="•"/>
+            </a:pPr>
+            <a:r>
+              <a:rPr lang="de-DE" sz="1800" dirty="0"/>
+              <a:t>Filme, Serien, Musik…</a:t>
+            </a:r>
+          </a:p>
+          <a:p>
+            <a:pPr marL="285750" indent="-285750">
+              <a:buFont typeface="Arial" panose="020B0604020202020204" pitchFamily="34" charset="0"/>
+              <a:buChar char="•"/>
+            </a:pPr>
+            <a:r>
+              <a:rPr lang="de-DE" sz="1800" dirty="0"/>
+              <a:t>Auf Server gespeichert</a:t>
+            </a:r>
+          </a:p>
+          <a:p>
+            <a:pPr marL="285750" indent="-285750">
+              <a:buFont typeface="Arial" panose="020B0604020202020204" pitchFamily="34" charset="0"/>
+              <a:buChar char="•"/>
+            </a:pPr>
             <a:endParaRPr lang="de-DE" sz="1800" dirty="0"/>
           </a:p>
           <a:p>
+            <a:r>
+              <a:rPr lang="de-DE" sz="1800" dirty="0"/>
+              <a:t>Internetverbindung über Satellit</a:t>
+            </a:r>
+          </a:p>
+          <a:p>
+            <a:r>
+              <a:rPr lang="de-DE" sz="1800" dirty="0"/>
+              <a:t>Hersteller: Rockwell Collins, Panasonic</a:t>
+            </a:r>
+          </a:p>
+          <a:p>
             <a:endParaRPr lang="de-DE" sz="1800" dirty="0"/>
           </a:p>
+          <a:p>
+            <a:pPr marL="285750" indent="-285750">
+              <a:buFont typeface="Arial" panose="020B0604020202020204" pitchFamily="34" charset="0"/>
+              <a:buChar char="•"/>
+            </a:pPr>
+            <a:endParaRPr lang="de-DE" sz="1800" dirty="0"/>
+          </a:p>
+          <a:p>
+            <a:endParaRPr lang="de-DE" sz="2400" dirty="0"/>
+          </a:p>
+          <a:p>
+            <a:endParaRPr lang="de-DE" dirty="0"/>
+          </a:p>
+          <a:p>
+            <a:endParaRPr lang="de-DE" dirty="0"/>
+          </a:p>
         </p:txBody>
       </p:sp>
       <p:sp>
@@ -11300,7 +11347,7 @@
           <p:cNvPr id="5" name="Fußzeilenplatzhalter 4">
             <a:extLst>
               <a:ext uri="{FF2B5EF4-FFF2-40B4-BE49-F238E27FC236}">
-                <a16:creationId xmlns:a16="http://schemas.microsoft.com/office/drawing/2014/main" id="{AFDC8BA4-BE69-4C6C-A5A3-0D1ED8586348}"/>
+                <a16:creationId xmlns:a16="http://schemas.microsoft.com/office/drawing/2014/main" id="{F481761F-16EF-4E64-A819-D4A4D36376CE}"/>
               </a:ext>
             </a:extLst>
           </p:cNvPr>
@@ -11328,7 +11375,7 @@
           <p:cNvPr id="6" name="Foliennummernplatzhalter 5">
             <a:extLst>
               <a:ext uri="{FF2B5EF4-FFF2-40B4-BE49-F238E27FC236}">
-                <a16:creationId xmlns:a16="http://schemas.microsoft.com/office/drawing/2014/main" id="{B30A0B0B-53DA-4BA1-97F9-F66D4D2F519A}"/>
+                <a16:creationId xmlns:a16="http://schemas.microsoft.com/office/drawing/2014/main" id="{537FC0C6-77A8-4980-B49F-0BE094DF51D4}"/>
               </a:ext>
             </a:extLst>
           </p:cNvPr>
@@ -11357,7 +11404,7 @@
           <p:cNvPr id="7" name="Inhaltsplatzhalter 6">
             <a:extLst>
               <a:ext uri="{FF2B5EF4-FFF2-40B4-BE49-F238E27FC236}">
-                <a16:creationId xmlns:a16="http://schemas.microsoft.com/office/drawing/2014/main" id="{74731B5B-8652-4ED1-A5B1-70FE77F4D969}"/>
+                <a16:creationId xmlns:a16="http://schemas.microsoft.com/office/drawing/2014/main" id="{ABA9B32B-67AB-44E0-8AE5-A604F30D6A17}"/>
               </a:ext>
             </a:extLst>
           </p:cNvPr>
@@ -11369,7 +11416,7 @@
           </p:nvPr>
         </p:nvPicPr>
         <p:blipFill>
-          <a:blip r:embed="rId3">
+          <a:blip r:embed="rId2">
             <a:extLst>
               <a:ext uri="{28A0092B-C50C-407E-A947-70E740481C1C}">
                 <a14:useLocalDpi xmlns:a14="http://schemas.microsoft.com/office/drawing/2010/main" val="0"/>
@@ -11383,8 +11430,8 @@
         </p:blipFill>
         <p:spPr bwMode="auto">
           <a:xfrm>
-            <a:off x="5173751" y="1590059"/>
-            <a:ext cx="5411788" cy="3904808"/>
+            <a:off x="5616522" y="490023"/>
+            <a:ext cx="3265467" cy="2572047"/>
           </a:xfrm>
           <a:prstGeom prst="rect">
             <a:avLst/>
@@ -11395,10 +11442,131 @@
           </a:ln>
         </p:spPr>
       </p:pic>
+      <p:pic>
+        <p:nvPicPr>
+          <p:cNvPr id="8" name="Grafik 7">
+            <a:extLst>
+              <a:ext uri="{FF2B5EF4-FFF2-40B4-BE49-F238E27FC236}">
+                <a16:creationId xmlns:a16="http://schemas.microsoft.com/office/drawing/2014/main" id="{2F0C3884-790D-4613-A8CE-FCD838A9AE7C}"/>
+              </a:ext>
+            </a:extLst>
+          </p:cNvPr>
+          <p:cNvPicPr/>
+          <p:nvPr/>
+        </p:nvPicPr>
+        <p:blipFill>
+          <a:blip r:embed="rId3" cstate="print">
+            <a:extLst>
+              <a:ext uri="{28A0092B-C50C-407E-A947-70E740481C1C}">
+                <a14:useLocalDpi xmlns:a14="http://schemas.microsoft.com/office/drawing/2010/main" val="0"/>
+              </a:ext>
+            </a:extLst>
+          </a:blip>
+          <a:srcRect/>
+          <a:stretch>
+            <a:fillRect/>
+          </a:stretch>
+        </p:blipFill>
+        <p:spPr bwMode="auto">
+          <a:xfrm>
+            <a:off x="5616522" y="3116614"/>
+            <a:ext cx="4656366" cy="2690142"/>
+          </a:xfrm>
+          <a:prstGeom prst="rect">
+            <a:avLst/>
+          </a:prstGeom>
+          <a:noFill/>
+          <a:ln>
+            <a:noFill/>
+          </a:ln>
+        </p:spPr>
+      </p:pic>
+      <p:sp>
+        <p:nvSpPr>
+          <p:cNvPr id="3" name="Textfeld 2">
+            <a:extLst>
+              <a:ext uri="{FF2B5EF4-FFF2-40B4-BE49-F238E27FC236}">
+                <a16:creationId xmlns:a16="http://schemas.microsoft.com/office/drawing/2014/main" id="{BE7CF575-5247-42C2-96E4-2A191ECE560A}"/>
+              </a:ext>
+            </a:extLst>
+          </p:cNvPr>
+          <p:cNvSpPr txBox="1"/>
+          <p:nvPr/>
+        </p:nvSpPr>
+        <p:spPr>
+          <a:xfrm>
+            <a:off x="8881989" y="774245"/>
+            <a:ext cx="3640367" cy="553998"/>
+          </a:xfrm>
+          <a:prstGeom prst="rect">
+            <a:avLst/>
+          </a:prstGeom>
+          <a:noFill/>
+        </p:spPr>
+        <p:txBody>
+          <a:bodyPr wrap="square" rtlCol="0">
+            <a:spAutoFit/>
+          </a:bodyPr>
+          <a:lstStyle/>
+          <a:p>
+            <a:r>
+              <a:rPr lang="de-DE" sz="1000" i="1" dirty="0"/>
+              <a:t>Quelle: </a:t>
+            </a:r>
+            <a:r>
+              <a:rPr lang="de-DE" sz="1000" i="1" dirty="0" err="1"/>
+              <a:t>airliners</a:t>
+            </a:r>
+            <a:r>
+              <a:rPr lang="de-DE" sz="1000" i="1" dirty="0"/>
+              <a:t>.</a:t>
+            </a:r>
+            <a:r>
+              <a:rPr lang="de-DE" sz="1000" dirty="0"/>
+              <a:t> (26. 05 2020). Von https://www.airliners.de/air-berlin-lufthansa-inflight-internet-auch-lh-kontinentalflotte/22656</a:t>
+            </a:r>
+          </a:p>
+        </p:txBody>
+      </p:sp>
+      <p:sp>
+        <p:nvSpPr>
+          <p:cNvPr id="9" name="Textfeld 8">
+            <a:extLst>
+              <a:ext uri="{FF2B5EF4-FFF2-40B4-BE49-F238E27FC236}">
+                <a16:creationId xmlns:a16="http://schemas.microsoft.com/office/drawing/2014/main" id="{878D0E2B-055A-4247-9938-8A3AE9325F9B}"/>
+              </a:ext>
+            </a:extLst>
+          </p:cNvPr>
+          <p:cNvSpPr txBox="1"/>
+          <p:nvPr/>
+        </p:nvSpPr>
+        <p:spPr>
+          <a:xfrm>
+            <a:off x="5543444" y="5836195"/>
+            <a:ext cx="3753256" cy="246221"/>
+          </a:xfrm>
+          <a:prstGeom prst="rect">
+            <a:avLst/>
+          </a:prstGeom>
+          <a:noFill/>
+        </p:spPr>
+        <p:txBody>
+          <a:bodyPr wrap="square" rtlCol="0">
+            <a:spAutoFit/>
+          </a:bodyPr>
+          <a:lstStyle/>
+          <a:p>
+            <a:r>
+              <a:rPr lang="de-DE" sz="1000" dirty="0"/>
+              <a:t>Quelle: Eigene Aufnahme</a:t>
+            </a:r>
+          </a:p>
+        </p:txBody>
+      </p:sp>
     </p:spTree>
     <p:extLst>
       <p:ext uri="{BB962C8B-B14F-4D97-AF65-F5344CB8AC3E}">
-        <p14:creationId xmlns:p14="http://schemas.microsoft.com/office/powerpoint/2010/main" val="121131904"/>
+        <p14:creationId xmlns:p14="http://schemas.microsoft.com/office/powerpoint/2010/main" val="3665790097"/>
       </p:ext>
     </p:extLst>
   </p:cSld>

--- a/Etourism.pptx
+++ b/Etourism.pptx
@@ -242,7 +242,7 @@
           <a:p>
             <a:fld id="{779DA85F-0A5D-44BC-A778-7E53C4BE819F}" type="datetimeFigureOut">
               <a:rPr lang="de-DE" smtClean="0"/>
-              <a:t>01.07.2020</a:t>
+              <a:t>02.07.2020</a:t>
             </a:fld>
             <a:endParaRPr lang="de-DE"/>
           </a:p>
@@ -1198,7 +1198,7 @@
           <a:p>
             <a:fld id="{747AD4B5-FC03-4B96-9D37-2241FB654AEA}" type="datetime1">
               <a:rPr lang="de-DE" smtClean="0"/>
-              <a:t>01.07.2020</a:t>
+              <a:t>02.07.2020</a:t>
             </a:fld>
             <a:endParaRPr lang="de-DE"/>
           </a:p>
@@ -1638,7 +1638,7 @@
           <a:p>
             <a:fld id="{080BC858-A114-46EE-8080-C23787978AAE}" type="datetime1">
               <a:rPr lang="de-DE" smtClean="0"/>
-              <a:t>01.07.2020</a:t>
+              <a:t>02.07.2020</a:t>
             </a:fld>
             <a:endParaRPr lang="de-DE"/>
           </a:p>
@@ -1889,7 +1889,7 @@
           <a:p>
             <a:fld id="{636D0561-ED05-49EC-A01E-3ADAC0822FC6}" type="datetime1">
               <a:rPr lang="de-DE" smtClean="0"/>
-              <a:t>01.07.2020</a:t>
+              <a:t>02.07.2020</a:t>
             </a:fld>
             <a:endParaRPr lang="de-DE"/>
           </a:p>
@@ -2201,7 +2201,7 @@
           <a:p>
             <a:fld id="{0F6EA4B7-6DDC-40A5-8BEB-698907B28A60}" type="datetime1">
               <a:rPr lang="de-DE" smtClean="0"/>
-              <a:t>01.07.2020</a:t>
+              <a:t>02.07.2020</a:t>
             </a:fld>
             <a:endParaRPr lang="de-DE"/>
           </a:p>
@@ -2522,7 +2522,7 @@
           <a:p>
             <a:fld id="{432EE7EB-5D97-4FC1-931B-37192B343EBB}" type="datetime1">
               <a:rPr lang="de-DE" smtClean="0"/>
-              <a:t>01.07.2020</a:t>
+              <a:t>02.07.2020</a:t>
             </a:fld>
             <a:endParaRPr lang="de-DE"/>
           </a:p>
@@ -2827,7 +2827,7 @@
           <a:p>
             <a:fld id="{FAB9B33F-01F8-43CB-8E98-E03A0FBFF054}" type="datetime1">
               <a:rPr lang="de-DE" smtClean="0"/>
-              <a:t>01.07.2020</a:t>
+              <a:t>02.07.2020</a:t>
             </a:fld>
             <a:endParaRPr lang="de-DE"/>
           </a:p>
@@ -3197,7 +3197,7 @@
           <a:p>
             <a:fld id="{97C8DADB-1BD1-490A-8AB6-B0996AFFEDA2}" type="datetime1">
               <a:rPr lang="de-DE" smtClean="0"/>
-              <a:t>01.07.2020</a:t>
+              <a:t>02.07.2020</a:t>
             </a:fld>
             <a:endParaRPr lang="de-DE"/>
           </a:p>
@@ -3374,7 +3374,7 @@
           <a:p>
             <a:fld id="{7D6CE794-7D88-4C3D-BA67-16BAFF44C1AD}" type="datetime1">
               <a:rPr lang="de-DE" smtClean="0"/>
-              <a:t>01.07.2020</a:t>
+              <a:t>02.07.2020</a:t>
             </a:fld>
             <a:endParaRPr lang="de-DE"/>
           </a:p>
@@ -3557,7 +3557,7 @@
           <a:p>
             <a:fld id="{AFA947B7-B2F2-4805-BF39-C472F6133B40}" type="datetime1">
               <a:rPr lang="de-DE" smtClean="0"/>
-              <a:t>01.07.2020</a:t>
+              <a:t>02.07.2020</a:t>
             </a:fld>
             <a:endParaRPr lang="de-DE"/>
           </a:p>
@@ -3766,7 +3766,7 @@
           <a:p>
             <a:fld id="{226F00DF-9212-4C10-8189-B5291B3584C1}" type="datetime1">
               <a:rPr lang="de-DE" smtClean="0"/>
-              <a:t>01.07.2020</a:t>
+              <a:t>02.07.2020</a:t>
             </a:fld>
             <a:endParaRPr lang="de-DE"/>
           </a:p>
@@ -4017,7 +4017,7 @@
           <a:p>
             <a:fld id="{69111DB7-5FFD-487B-9233-F98D6E71071D}" type="datetime1">
               <a:rPr lang="de-DE" smtClean="0"/>
-              <a:t>01.07.2020</a:t>
+              <a:t>02.07.2020</a:t>
             </a:fld>
             <a:endParaRPr lang="de-DE"/>
           </a:p>
@@ -4256,7 +4256,7 @@
           <a:p>
             <a:fld id="{AADC4C95-1055-4441-B122-EAC0313686F2}" type="datetime1">
               <a:rPr lang="de-DE" smtClean="0"/>
-              <a:t>01.07.2020</a:t>
+              <a:t>02.07.2020</a:t>
             </a:fld>
             <a:endParaRPr lang="de-DE"/>
           </a:p>
@@ -4641,7 +4641,7 @@
           <a:p>
             <a:fld id="{F8941516-F456-460E-846D-F9341CEDD81D}" type="datetime1">
               <a:rPr lang="de-DE" smtClean="0"/>
-              <a:t>01.07.2020</a:t>
+              <a:t>02.07.2020</a:t>
             </a:fld>
             <a:endParaRPr lang="de-DE"/>
           </a:p>
@@ -4762,7 +4762,7 @@
           <a:p>
             <a:fld id="{867E6EB3-C457-4011-9591-7416EBA37EDD}" type="datetime1">
               <a:rPr lang="de-DE" smtClean="0"/>
-              <a:t>01.07.2020</a:t>
+              <a:t>02.07.2020</a:t>
             </a:fld>
             <a:endParaRPr lang="de-DE"/>
           </a:p>
@@ -4860,7 +4860,7 @@
           <a:p>
             <a:fld id="{F6DDB215-D984-4802-9EC0-C968E2E5F781}" type="datetime1">
               <a:rPr lang="de-DE" smtClean="0"/>
-              <a:t>01.07.2020</a:t>
+              <a:t>02.07.2020</a:t>
             </a:fld>
             <a:endParaRPr lang="de-DE"/>
           </a:p>
@@ -5118,7 +5118,7 @@
           <a:p>
             <a:fld id="{12D1AE5A-A783-4807-A0C0-0B4AF47D9B61}" type="datetime1">
               <a:rPr lang="de-DE" smtClean="0"/>
-              <a:t>01.07.2020</a:t>
+              <a:t>02.07.2020</a:t>
             </a:fld>
             <a:endParaRPr lang="de-DE"/>
           </a:p>
@@ -5414,7 +5414,7 @@
           <a:p>
             <a:fld id="{FC1BE190-A6F7-4B0E-8A97-3C4D64A5A8A6}" type="datetime1">
               <a:rPr lang="de-DE" smtClean="0"/>
-              <a:t>01.07.2020</a:t>
+              <a:t>02.07.2020</a:t>
             </a:fld>
             <a:endParaRPr lang="de-DE"/>
           </a:p>
@@ -5821,7 +5821,7 @@
           <a:p>
             <a:fld id="{DD7EEA60-F3D7-4624-8CFC-BBD08773B304}" type="datetime1">
               <a:rPr lang="de-DE" smtClean="0"/>
-              <a:t>01.07.2020</a:t>
+              <a:t>02.07.2020</a:t>
             </a:fld>
             <a:endParaRPr lang="de-DE" dirty="0"/>
           </a:p>
@@ -7585,7 +7585,36 @@
           </a:bodyPr>
           <a:lstStyle/>
           <a:p>
-            <a:endParaRPr lang="de-DE" sz="2400" dirty="0"/>
+            <a:r>
+              <a:rPr lang="de-DE" sz="1800" dirty="0"/>
+              <a:t>Weltweit verzweigtes Netz verschiedener Reservierungssysteme </a:t>
+            </a:r>
+          </a:p>
+          <a:p>
+            <a:endParaRPr lang="de-DE" sz="1800" dirty="0"/>
+          </a:p>
+          <a:p>
+            <a:r>
+              <a:rPr lang="de-DE" sz="1800" dirty="0"/>
+              <a:t>Weltweite Kommunikationszentrale</a:t>
+            </a:r>
+          </a:p>
+          <a:p>
+            <a:endParaRPr lang="de-DE" sz="1800" dirty="0"/>
+          </a:p>
+          <a:p>
+            <a:r>
+              <a:rPr lang="de-DE" sz="1800" dirty="0"/>
+              <a:t>Hersteller: Amadeus, Sabre und </a:t>
+            </a:r>
+            <a:r>
+              <a:rPr lang="de-DE" sz="1800" dirty="0" err="1"/>
+              <a:t>Travelport</a:t>
+            </a:r>
+            <a:endParaRPr lang="de-DE" sz="1800" dirty="0"/>
+          </a:p>
+          <a:p>
+            <a:endParaRPr lang="de-DE" sz="1800" dirty="0"/>
           </a:p>
         </p:txBody>
       </p:sp>
@@ -7748,12 +7777,8 @@
               <a:rPr lang="de-DE" dirty="0"/>
             </a:br>
             <a:r>
-              <a:rPr lang="de-DE" dirty="0" err="1"/>
-              <a:t>OnlineReisebüro</a:t>
-            </a:r>
-            <a:r>
               <a:rPr lang="de-DE" dirty="0"/>
-              <a:t> </a:t>
+              <a:t>Onlinebuchung </a:t>
             </a:r>
           </a:p>
         </p:txBody>
@@ -7776,8 +7801,95 @@
         </p:nvSpPr>
         <p:spPr/>
         <p:txBody>
-          <a:bodyPr/>
-          <a:lstStyle/>
+          <a:bodyPr>
+            <a:normAutofit lnSpcReduction="10000"/>
+          </a:bodyPr>
+          <a:lstStyle/>
+          <a:p>
+            <a:r>
+              <a:rPr lang="de-DE" dirty="0" err="1"/>
+              <a:t>Flexsibel</a:t>
+            </a:r>
+            <a:r>
+              <a:rPr lang="de-DE" dirty="0"/>
+              <a:t> und anpassbar</a:t>
+            </a:r>
+          </a:p>
+          <a:p>
+            <a:r>
+              <a:rPr lang="de-DE" dirty="0"/>
+              <a:t>Decken alle Zahlungsmöglichkeiten ab</a:t>
+            </a:r>
+          </a:p>
+          <a:p>
+            <a:r>
+              <a:rPr lang="de-DE" dirty="0"/>
+              <a:t>Schnittstellen zu CMS , </a:t>
+            </a:r>
+            <a:r>
+              <a:rPr lang="de-DE" dirty="0" err="1"/>
+              <a:t>Buchungsplatformen</a:t>
+            </a:r>
+            <a:r>
+              <a:rPr lang="de-DE" dirty="0"/>
+              <a:t> wie TripAdvisor und </a:t>
+            </a:r>
+            <a:r>
+              <a:rPr lang="de-DE" dirty="0" err="1"/>
+              <a:t>Social</a:t>
+            </a:r>
+            <a:r>
+              <a:rPr lang="de-DE" dirty="0"/>
+              <a:t> Commerce wie Facebook oder Analysetools wie Google Analytics</a:t>
+            </a:r>
+          </a:p>
+          <a:p>
+            <a:r>
+              <a:rPr lang="de-DE" dirty="0"/>
+              <a:t>Vorteile: </a:t>
+            </a:r>
+            <a:r>
+              <a:rPr lang="de-DE" dirty="0" err="1"/>
+              <a:t>verfügbarkeit</a:t>
+            </a:r>
+            <a:r>
+              <a:rPr lang="de-DE" dirty="0"/>
+              <a:t>, </a:t>
+            </a:r>
+            <a:r>
+              <a:rPr lang="de-DE" dirty="0" err="1"/>
+              <a:t>vergleichbarkeit</a:t>
+            </a:r>
+            <a:endParaRPr lang="de-DE" dirty="0"/>
+          </a:p>
+          <a:p>
+            <a:r>
+              <a:rPr lang="de-DE" dirty="0"/>
+              <a:t>Nachteil: fehlende Glaubwürdigkeit, Preisgeben Persönlicher Daten</a:t>
+            </a:r>
+          </a:p>
+          <a:p>
+            <a:r>
+              <a:rPr lang="de-DE" dirty="0"/>
+              <a:t>Beispielsysteme: </a:t>
+            </a:r>
+            <a:r>
+              <a:rPr lang="de-DE" dirty="0" err="1"/>
+              <a:t>TravelTainment</a:t>
+            </a:r>
+            <a:r>
+              <a:rPr lang="de-DE" dirty="0"/>
+              <a:t> IBE (Reisen), </a:t>
+            </a:r>
+            <a:r>
+              <a:rPr lang="de-DE" dirty="0" err="1"/>
+              <a:t>cruiseportal</a:t>
+            </a:r>
+            <a:r>
+              <a:rPr lang="de-DE" dirty="0"/>
+              <a:t> (Kreuzfahrten) und Sunny Cars (Mietwagen)</a:t>
+            </a:r>
+          </a:p>
           <a:p>
             <a:endParaRPr lang="de-DE" dirty="0"/>
           </a:p>
@@ -7927,7 +8039,38 @@
           <a:bodyPr/>
           <a:lstStyle/>
           <a:p>
-            <a:endParaRPr lang="de-DE" dirty="0"/>
+            <a:r>
+              <a:rPr lang="de-DE" dirty="0" err="1"/>
+              <a:t>Vemittlung</a:t>
+            </a:r>
+            <a:r>
+              <a:rPr lang="de-DE" dirty="0"/>
+              <a:t> von privatem Wohneigentum an Gäste</a:t>
+            </a:r>
+          </a:p>
+          <a:p>
+            <a:r>
+              <a:rPr lang="de-DE" dirty="0"/>
+              <a:t>Besonders beliebt bei jungen Leuten </a:t>
+            </a:r>
+          </a:p>
+          <a:p>
+            <a:r>
+              <a:rPr lang="de-DE" dirty="0"/>
+              <a:t>Gebühr für Gastgeber: 3-5% </a:t>
+            </a:r>
+          </a:p>
+          <a:p>
+            <a:r>
+              <a:rPr lang="de-DE" dirty="0"/>
+              <a:t>Gebühr für Gäste 5-15%</a:t>
+            </a:r>
+          </a:p>
+          <a:p>
+            <a:r>
+              <a:rPr lang="de-DE" dirty="0"/>
+              <a:t>Im Januar 2020 wurden über 500 Millionen Unterkünfte in 220 Ländern Angeboten</a:t>
+            </a:r>
           </a:p>
         </p:txBody>
       </p:sp>
@@ -7989,6 +8132,42 @@
           </a:p>
         </p:txBody>
       </p:sp>
+      <p:pic>
+        <p:nvPicPr>
+          <p:cNvPr id="7" name="Grafik 6" descr="Ein Bild, das Zeichnung enthält.&#10;&#10;Automatisch generierte Beschreibung">
+            <a:extLst>
+              <a:ext uri="{FF2B5EF4-FFF2-40B4-BE49-F238E27FC236}">
+                <a16:creationId xmlns:a16="http://schemas.microsoft.com/office/drawing/2014/main" id="{E907E792-366E-466D-9549-6B58C527D3A3}"/>
+              </a:ext>
+            </a:extLst>
+          </p:cNvPr>
+          <p:cNvPicPr>
+            <a:picLocks noChangeAspect="1"/>
+          </p:cNvPicPr>
+          <p:nvPr/>
+        </p:nvPicPr>
+        <p:blipFill>
+          <a:blip r:embed="rId2">
+            <a:extLst>
+              <a:ext uri="{28A0092B-C50C-407E-A947-70E740481C1C}">
+                <a14:useLocalDpi xmlns:a14="http://schemas.microsoft.com/office/drawing/2010/main" val="0"/>
+              </a:ext>
+            </a:extLst>
+          </a:blip>
+          <a:stretch>
+            <a:fillRect/>
+          </a:stretch>
+        </p:blipFill>
+        <p:spPr>
+          <a:xfrm>
+            <a:off x="4767820" y="1034902"/>
+            <a:ext cx="3000374" cy="1347787"/>
+          </a:xfrm>
+          <a:prstGeom prst="rect">
+            <a:avLst/>
+          </a:prstGeom>
+        </p:spPr>
+      </p:pic>
     </p:spTree>
     <p:extLst>
       <p:ext uri="{BB962C8B-B14F-4D97-AF65-F5344CB8AC3E}">
